--- a/V2V/V2VReview.pptx
+++ b/V2V/V2VReview.pptx
@@ -7,18 +7,25 @@
   <p:sldIdLst>
     <p:sldId id="256" r:id="rId2"/>
     <p:sldId id="267" r:id="rId3"/>
-    <p:sldId id="259" r:id="rId4"/>
-    <p:sldId id="265" r:id="rId5"/>
-    <p:sldId id="260" r:id="rId6"/>
+    <p:sldId id="276" r:id="rId4"/>
+    <p:sldId id="259" r:id="rId5"/>
+    <p:sldId id="265" r:id="rId6"/>
     <p:sldId id="269" r:id="rId7"/>
     <p:sldId id="270" r:id="rId8"/>
     <p:sldId id="262" r:id="rId9"/>
     <p:sldId id="274" r:id="rId10"/>
-    <p:sldId id="271" r:id="rId11"/>
-    <p:sldId id="273" r:id="rId12"/>
-    <p:sldId id="268" r:id="rId13"/>
-    <p:sldId id="264" r:id="rId14"/>
-    <p:sldId id="266" r:id="rId15"/>
+    <p:sldId id="282" r:id="rId11"/>
+    <p:sldId id="275" r:id="rId12"/>
+    <p:sldId id="277" r:id="rId13"/>
+    <p:sldId id="280" r:id="rId14"/>
+    <p:sldId id="278" r:id="rId15"/>
+    <p:sldId id="273" r:id="rId16"/>
+    <p:sldId id="281" r:id="rId17"/>
+    <p:sldId id="268" r:id="rId18"/>
+    <p:sldId id="264" r:id="rId19"/>
+    <p:sldId id="266" r:id="rId20"/>
+    <p:sldId id="284" r:id="rId21"/>
+    <p:sldId id="283" r:id="rId22"/>
   </p:sldIdLst>
   <p:sldSz cx="9144000" cy="6858000" type="screen4x3"/>
   <p:notesSz cx="6858000" cy="9144000"/>
@@ -3191,11 +3198,7 @@
           <a:p>
             <a:r>
               <a:rPr lang="en-US" dirty="0" smtClean="0"/>
-              <a:t>Zhuangdi</a:t>
-            </a:r>
-            <a:r>
-              <a:rPr lang="en-US" dirty="0" smtClean="0"/>
-              <a:t> Zhu</a:t>
+              <a:t>Zhuangdi Zhu</a:t>
             </a:r>
           </a:p>
         </p:txBody>
@@ -3247,11 +3250,7 @@
           <a:p>
             <a:r>
               <a:rPr lang="en-US" dirty="0" smtClean="0"/>
-              <a:t>Research</a:t>
-            </a:r>
-            <a:r>
-              <a:rPr lang="en-US" dirty="0" smtClean="0"/>
-              <a:t> Issues</a:t>
+              <a:t>Research Issues</a:t>
             </a:r>
             <a:endParaRPr lang="en-US" dirty="0"/>
           </a:p>
@@ -3269,31 +3268,69 @@
         </p:nvSpPr>
         <p:spPr/>
         <p:txBody>
-          <a:bodyPr/>
-          <a:lstStyle/>
-          <a:p>
-            <a:r>
-              <a:rPr lang="en-US" dirty="0" smtClean="0"/>
-              <a:t>VANET</a:t>
-            </a:r>
-            <a:r>
-              <a:rPr lang="en-US" dirty="0" smtClean="0"/>
-              <a:t> Networking</a:t>
+          <a:bodyPr>
+            <a:normAutofit/>
+          </a:bodyPr>
+          <a:lstStyle/>
+          <a:p>
+            <a:r>
+              <a:rPr lang="en-US" dirty="0" smtClean="0"/>
+              <a:t>VANET </a:t>
+            </a:r>
+            <a:r>
+              <a:rPr lang="en-US" dirty="0" smtClean="0"/>
+              <a:t>Medium</a:t>
+            </a:r>
+            <a:r>
+              <a:rPr lang="zh-CN" altLang="en-US" dirty="0" smtClean="0"/>
+              <a:t> </a:t>
+            </a:r>
+            <a:r>
+              <a:rPr lang="en-US" altLang="zh-CN" dirty="0" smtClean="0"/>
+              <a:t>Access</a:t>
             </a:r>
           </a:p>
           <a:p>
             <a:pPr lvl="1"/>
             <a:r>
+              <a:rPr lang="en-US" dirty="0" smtClean="0"/>
+              <a:t>Network </a:t>
+            </a:r>
+            <a:r>
+              <a:rPr lang="en-US" dirty="0" smtClean="0"/>
+              <a:t>Architectures</a:t>
+            </a:r>
+          </a:p>
+          <a:p>
+            <a:pPr lvl="2"/>
+            <a:r>
+              <a:rPr lang="en-US" dirty="0" smtClean="0"/>
+              <a:t>WLAN/Cellular</a:t>
+            </a:r>
+          </a:p>
+          <a:p>
+            <a:pPr lvl="2"/>
+            <a:r>
+              <a:rPr lang="en-US" dirty="0" smtClean="0"/>
+              <a:t>Ad Hoc</a:t>
+            </a:r>
+          </a:p>
+          <a:p>
+            <a:pPr lvl="2"/>
+            <a:r>
+              <a:rPr lang="en-US" dirty="0" smtClean="0"/>
+              <a:t>Hybrid</a:t>
+            </a:r>
+          </a:p>
+          <a:p>
+            <a:pPr lvl="3"/>
+            <a:r>
               <a:rPr lang="en-US" dirty="0" err="1" smtClean="0"/>
-              <a:t>QoS</a:t>
-            </a:r>
-            <a:r>
-              <a:rPr lang="zh-CN" altLang="en-US" dirty="0" smtClean="0"/>
-              <a:t> </a:t>
-            </a:r>
-            <a:r>
-              <a:rPr lang="en-US" altLang="zh-CN" dirty="0" smtClean="0"/>
-              <a:t>Support</a:t>
+              <a:t>Namboodiri</a:t>
+            </a:r>
+            <a:r>
+              <a:rPr lang="en-US" baseline="30000" dirty="0" smtClean="0"/>
+              <a:t>[7]</a:t>
             </a:r>
             <a:endParaRPr lang="en-US" dirty="0" smtClean="0"/>
           </a:p>
@@ -3301,36 +3338,15 @@
             <a:pPr lvl="2"/>
             <a:r>
               <a:rPr lang="en-US" dirty="0" smtClean="0"/>
-              <a:t>To</a:t>
-            </a:r>
-            <a:r>
-              <a:rPr lang="zh-CN" altLang="en-US" dirty="0" smtClean="0"/>
-              <a:t> </a:t>
-            </a:r>
-            <a:r>
-              <a:rPr lang="en-US" altLang="zh-CN" dirty="0" smtClean="0"/>
-              <a:t>be</a:t>
-            </a:r>
-            <a:r>
-              <a:rPr lang="zh-CN" altLang="en-US" dirty="0" smtClean="0"/>
-              <a:t> </a:t>
-            </a:r>
-            <a:r>
-              <a:rPr lang="en-US" altLang="zh-CN" dirty="0" smtClean="0"/>
-              <a:t>completed</a:t>
-            </a:r>
-            <a:endParaRPr lang="en-US" altLang="zh-CN" baseline="30000" dirty="0" smtClean="0"/>
-          </a:p>
-          <a:p>
-            <a:pPr lvl="1"/>
-            <a:endParaRPr lang="en-US" dirty="0"/>
+              <a:t>(add three pictures here)</a:t>
+            </a:r>
           </a:p>
         </p:txBody>
       </p:sp>
     </p:spTree>
     <p:extLst>
       <p:ext uri="{BB962C8B-B14F-4D97-AF65-F5344CB8AC3E}">
-        <p14:creationId xmlns:p14="http://schemas.microsoft.com/office/powerpoint/2010/main" val="1841514790"/>
+        <p14:creationId xmlns:p14="http://schemas.microsoft.com/office/powerpoint/2010/main" val="140490796"/>
       </p:ext>
     </p:extLst>
   </p:cSld>
@@ -3374,11 +3390,7 @@
           <a:p>
             <a:r>
               <a:rPr lang="en-US" dirty="0" smtClean="0"/>
-              <a:t>Research</a:t>
-            </a:r>
-            <a:r>
-              <a:rPr lang="en-US" dirty="0" smtClean="0"/>
-              <a:t> Issues</a:t>
+              <a:t>Research Issues</a:t>
             </a:r>
             <a:endParaRPr lang="en-US" dirty="0"/>
           </a:p>
@@ -3401,60 +3413,50 @@
           <a:p>
             <a:r>
               <a:rPr lang="en-US" dirty="0" smtClean="0"/>
-              <a:t>VANET</a:t>
-            </a:r>
-            <a:r>
-              <a:rPr lang="en-US" dirty="0" smtClean="0"/>
-              <a:t> Networking</a:t>
+              <a:t>VANET Networking</a:t>
             </a:r>
           </a:p>
           <a:p>
             <a:pPr lvl="1"/>
             <a:r>
               <a:rPr lang="en-US" dirty="0" smtClean="0"/>
-              <a:t>Security</a:t>
-            </a:r>
-            <a:r>
-              <a:rPr lang="zh-CN" altLang="zh-CN" dirty="0"/>
-              <a:t> </a:t>
-            </a:r>
-            <a:r>
-              <a:rPr lang="en-US" altLang="zh-CN" dirty="0" smtClean="0"/>
-              <a:t>&amp;</a:t>
-            </a:r>
-            <a:r>
-              <a:rPr lang="zh-CN" altLang="en-US" dirty="0" smtClean="0"/>
-              <a:t> </a:t>
-            </a:r>
-            <a:r>
-              <a:rPr lang="en-US" altLang="zh-CN" dirty="0" smtClean="0"/>
-              <a:t>Privacy</a:t>
-            </a:r>
-            <a:endParaRPr lang="en-US" dirty="0" smtClean="0"/>
+              <a:t>Data Dissemination</a:t>
+            </a:r>
           </a:p>
           <a:p>
             <a:pPr lvl="2"/>
             <a:r>
               <a:rPr lang="en-US" dirty="0" smtClean="0"/>
-              <a:t>To</a:t>
-            </a:r>
-            <a:r>
-              <a:rPr lang="zh-CN" altLang="en-US" dirty="0" smtClean="0"/>
-              <a:t> </a:t>
-            </a:r>
-            <a:r>
-              <a:rPr lang="en-US" altLang="zh-CN" dirty="0" smtClean="0"/>
-              <a:t>be</a:t>
-            </a:r>
-            <a:r>
-              <a:rPr lang="zh-CN" altLang="en-US" dirty="0" smtClean="0"/>
-              <a:t> </a:t>
-            </a:r>
-            <a:r>
-              <a:rPr lang="en-US" altLang="zh-CN" dirty="0" smtClean="0"/>
-              <a:t>completed</a:t>
-            </a:r>
-            <a:endParaRPr lang="en-US" altLang="zh-CN" baseline="30000" dirty="0" smtClean="0"/>
+              <a:t>Routing</a:t>
+            </a:r>
+            <a:r>
+              <a:rPr lang="zh-CN" altLang="en-US" dirty="0" smtClean="0"/>
+              <a:t> </a:t>
+            </a:r>
+            <a:r>
+              <a:rPr lang="en-US" altLang="zh-CN" dirty="0" smtClean="0"/>
+              <a:t>Protocols</a:t>
+            </a:r>
+            <a:r>
+              <a:rPr lang="en-US" altLang="zh-CN" baseline="30000" dirty="0" smtClean="0"/>
+              <a:t>[8]</a:t>
+            </a:r>
+          </a:p>
+          <a:p>
+            <a:pPr lvl="2"/>
+            <a:r>
+              <a:rPr lang="en-US" altLang="zh-CN" dirty="0" smtClean="0"/>
+              <a:t>Mobility</a:t>
+            </a:r>
+            <a:r>
+              <a:rPr lang="zh-CN" altLang="en-US" dirty="0" smtClean="0"/>
+              <a:t> </a:t>
+            </a:r>
+            <a:r>
+              <a:rPr lang="en-US" altLang="zh-CN" dirty="0" smtClean="0"/>
+              <a:t>Models</a:t>
+            </a:r>
+            <a:endParaRPr lang="en-US" altLang="zh-CN" dirty="0" smtClean="0"/>
           </a:p>
           <a:p>
             <a:pPr lvl="1"/>
@@ -3465,7 +3467,7 @@
     </p:spTree>
     <p:extLst>
       <p:ext uri="{BB962C8B-B14F-4D97-AF65-F5344CB8AC3E}">
-        <p14:creationId xmlns:p14="http://schemas.microsoft.com/office/powerpoint/2010/main" val="293563382"/>
+        <p14:creationId xmlns:p14="http://schemas.microsoft.com/office/powerpoint/2010/main" val="2759365609"/>
       </p:ext>
     </p:extLst>
   </p:cSld>
@@ -3508,16 +3510,8 @@
           <a:lstStyle/>
           <a:p>
             <a:r>
-              <a:rPr lang="en-US" altLang="zh-CN" dirty="0" smtClean="0"/>
-              <a:t>Research</a:t>
-            </a:r>
-            <a:r>
-              <a:rPr lang="zh-CN" altLang="en-US" dirty="0" smtClean="0"/>
-              <a:t> </a:t>
-            </a:r>
-            <a:r>
-              <a:rPr lang="en-US" altLang="zh-CN" dirty="0" smtClean="0"/>
-              <a:t>Issues</a:t>
+              <a:rPr lang="en-US" dirty="0" smtClean="0"/>
+              <a:t>Research Issues</a:t>
             </a:r>
             <a:endParaRPr lang="en-US" dirty="0"/>
           </a:p>
@@ -3535,33 +3529,125 @@
         </p:nvSpPr>
         <p:spPr/>
         <p:txBody>
-          <a:bodyPr>
-            <a:normAutofit/>
-          </a:bodyPr>
-          <a:lstStyle/>
-          <a:p>
-            <a:r>
-              <a:rPr lang="en-US" altLang="zh-CN" dirty="0" smtClean="0"/>
-              <a:t>Applications</a:t>
+          <a:bodyPr/>
+          <a:lstStyle/>
+          <a:p>
+            <a:r>
+              <a:rPr lang="en-US" dirty="0" smtClean="0"/>
+              <a:t>VANET Networking</a:t>
             </a:r>
           </a:p>
           <a:p>
             <a:pPr lvl="1"/>
             <a:r>
-              <a:rPr lang="en-US" altLang="zh-CN" dirty="0" smtClean="0"/>
-              <a:t>Comfort</a:t>
-            </a:r>
-            <a:r>
-              <a:rPr lang="zh-CN" altLang="en-US" dirty="0" smtClean="0"/>
-              <a:t> </a:t>
-            </a:r>
-            <a:r>
-              <a:rPr lang="en-US" altLang="zh-CN" dirty="0"/>
-              <a:t>A</a:t>
-            </a:r>
-            <a:r>
-              <a:rPr lang="en-US" altLang="zh-CN" dirty="0" smtClean="0"/>
-              <a:t>pplications</a:t>
+              <a:rPr lang="en-US" dirty="0" smtClean="0"/>
+              <a:t>Data Dissemination</a:t>
+            </a:r>
+          </a:p>
+          <a:p>
+            <a:pPr lvl="2"/>
+            <a:r>
+              <a:rPr lang="en-US" dirty="0" smtClean="0"/>
+              <a:t>Routing</a:t>
+            </a:r>
+            <a:r>
+              <a:rPr lang="zh-CN" altLang="en-US" dirty="0" smtClean="0"/>
+              <a:t> </a:t>
+            </a:r>
+            <a:r>
+              <a:rPr lang="en-US" altLang="zh-CN" dirty="0" smtClean="0"/>
+              <a:t>Protocols</a:t>
+            </a:r>
+            <a:r>
+              <a:rPr lang="en-US" altLang="zh-CN" baseline="30000" dirty="0" smtClean="0"/>
+              <a:t>[8]</a:t>
+            </a:r>
+          </a:p>
+          <a:p>
+            <a:pPr lvl="3"/>
+            <a:r>
+              <a:rPr lang="en-US" altLang="zh-CN" dirty="0" smtClean="0"/>
+              <a:t>Topology</a:t>
+            </a:r>
+            <a:r>
+              <a:rPr lang="en-US" altLang="zh-CN" dirty="0" smtClean="0"/>
+              <a:t> based (</a:t>
+            </a:r>
+            <a:r>
+              <a:rPr lang="en-US" altLang="zh-CN" dirty="0" smtClean="0"/>
+              <a:t>Ad</a:t>
+            </a:r>
+            <a:r>
+              <a:rPr lang="zh-CN" altLang="en-US" dirty="0" smtClean="0"/>
+              <a:t> </a:t>
+            </a:r>
+            <a:r>
+              <a:rPr lang="en-US" altLang="zh-CN" dirty="0" smtClean="0"/>
+              <a:t>hoc</a:t>
+            </a:r>
+            <a:r>
+              <a:rPr lang="zh-CN" altLang="en-US" dirty="0" smtClean="0"/>
+              <a:t> </a:t>
+            </a:r>
+            <a:r>
+              <a:rPr lang="en-US" altLang="zh-CN" dirty="0" smtClean="0"/>
+              <a:t>routing)</a:t>
+            </a:r>
+            <a:r>
+              <a:rPr lang="en-US" altLang="zh-CN" baseline="30000" dirty="0" smtClean="0"/>
+              <a:t>[9]</a:t>
+            </a:r>
+            <a:endParaRPr lang="en-US" altLang="zh-CN" baseline="30000" dirty="0" smtClean="0"/>
+          </a:p>
+          <a:p>
+            <a:pPr lvl="3"/>
+            <a:r>
+              <a:rPr lang="en-US" altLang="zh-CN" dirty="0" smtClean="0"/>
+              <a:t>Position</a:t>
+            </a:r>
+            <a:r>
+              <a:rPr lang="zh-CN" altLang="en-US" dirty="0" smtClean="0"/>
+              <a:t> </a:t>
+            </a:r>
+            <a:r>
+              <a:rPr lang="en-US" altLang="zh-CN" dirty="0" smtClean="0"/>
+              <a:t>based</a:t>
+            </a:r>
+            <a:r>
+              <a:rPr lang="zh-CN" altLang="en-US" dirty="0" smtClean="0"/>
+              <a:t> </a:t>
+            </a:r>
+            <a:r>
+              <a:rPr lang="en-US" altLang="zh-CN" dirty="0" smtClean="0"/>
+              <a:t>(Geographical</a:t>
+            </a:r>
+            <a:r>
+              <a:rPr lang="zh-CN" altLang="en-US" dirty="0" smtClean="0"/>
+              <a:t> </a:t>
+            </a:r>
+            <a:r>
+              <a:rPr lang="en-US" altLang="zh-CN" dirty="0" smtClean="0"/>
+              <a:t>routing)</a:t>
+            </a:r>
+            <a:r>
+              <a:rPr lang="en-US" altLang="zh-CN" baseline="30000" dirty="0" smtClean="0"/>
+              <a:t>[10]</a:t>
+            </a:r>
+            <a:endParaRPr lang="en-US" altLang="zh-CN" baseline="30000" dirty="0" smtClean="0"/>
+          </a:p>
+          <a:p>
+            <a:pPr lvl="3"/>
+            <a:r>
+              <a:rPr lang="en-US" altLang="zh-CN" dirty="0" smtClean="0"/>
+              <a:t>Cluster</a:t>
+            </a:r>
+            <a:r>
+              <a:rPr lang="zh-CN" altLang="en-US" dirty="0" smtClean="0"/>
+              <a:t> </a:t>
+            </a:r>
+            <a:r>
+              <a:rPr lang="en-US" altLang="zh-CN" dirty="0" smtClean="0"/>
+              <a:t>based</a:t>
             </a:r>
             <a:r>
               <a:rPr lang="zh-CN" altLang="en-US" dirty="0" smtClean="0"/>
@@ -3570,79 +3656,18 @@
             <a:endParaRPr lang="en-US" altLang="zh-CN" dirty="0" smtClean="0"/>
           </a:p>
           <a:p>
-            <a:pPr lvl="2"/>
-            <a:r>
-              <a:rPr lang="en-US" altLang="zh-CN" dirty="0" smtClean="0"/>
-              <a:t>Awareness based</a:t>
-            </a:r>
-          </a:p>
-          <a:p>
-            <a:pPr lvl="1"/>
-            <a:r>
-              <a:rPr lang="en-US" altLang="zh-CN" dirty="0" smtClean="0"/>
-              <a:t>Safety</a:t>
-            </a:r>
-            <a:r>
-              <a:rPr lang="zh-CN" altLang="en-US" dirty="0" smtClean="0"/>
-              <a:t> </a:t>
-            </a:r>
-            <a:r>
-              <a:rPr lang="en-US" altLang="zh-CN" dirty="0" smtClean="0"/>
-              <a:t>Applications (Intelligent</a:t>
-            </a:r>
-            <a:r>
-              <a:rPr lang="zh-CN" altLang="en-US" dirty="0" smtClean="0"/>
-              <a:t> </a:t>
-            </a:r>
-            <a:r>
-              <a:rPr lang="en-US" altLang="zh-CN" dirty="0" smtClean="0"/>
-              <a:t>transportation</a:t>
-            </a:r>
-            <a:r>
-              <a:rPr lang="zh-CN" altLang="en-US" dirty="0" smtClean="0"/>
-              <a:t> </a:t>
-            </a:r>
-            <a:r>
-              <a:rPr lang="en-US" altLang="zh-CN" dirty="0" smtClean="0"/>
-              <a:t>applications)</a:t>
-            </a:r>
-          </a:p>
-          <a:p>
-            <a:pPr lvl="2"/>
-            <a:r>
-              <a:rPr lang="en-US" altLang="zh-CN" dirty="0" smtClean="0"/>
-              <a:t>Event</a:t>
-            </a:r>
-            <a:r>
-              <a:rPr lang="zh-CN" altLang="en-US" dirty="0" smtClean="0"/>
-              <a:t> </a:t>
-            </a:r>
-            <a:r>
-              <a:rPr lang="en-US" altLang="zh-CN" dirty="0" smtClean="0"/>
-              <a:t>based</a:t>
-            </a:r>
-          </a:p>
-          <a:p>
-            <a:pPr lvl="2"/>
-            <a:r>
-              <a:rPr lang="en-US" altLang="zh-CN" dirty="0" smtClean="0"/>
-              <a:t>Collision</a:t>
-            </a:r>
-            <a:r>
-              <a:rPr lang="zh-CN" altLang="en-US" dirty="0" smtClean="0"/>
-              <a:t> </a:t>
-            </a:r>
-            <a:r>
-              <a:rPr lang="en-US" altLang="zh-CN" dirty="0" smtClean="0"/>
-              <a:t>avoidance</a:t>
-            </a:r>
-            <a:r>
-              <a:rPr lang="en-US" altLang="zh-CN" baseline="30000" dirty="0" smtClean="0"/>
-              <a:t>[4]</a:t>
-            </a:r>
-          </a:p>
-          <a:p>
-            <a:pPr lvl="2"/>
+            <a:pPr lvl="3"/>
+            <a:r>
+              <a:rPr lang="en-US" altLang="zh-CN" dirty="0" smtClean="0"/>
+              <a:t>Broadcast</a:t>
+            </a:r>
+          </a:p>
+          <a:p>
+            <a:pPr lvl="3"/>
+            <a:r>
+              <a:rPr lang="en-US" altLang="zh-CN" dirty="0" err="1" smtClean="0"/>
+              <a:t>Geocast</a:t>
+            </a:r>
             <a:endParaRPr lang="en-US" altLang="zh-CN" dirty="0" smtClean="0"/>
           </a:p>
         </p:txBody>
@@ -3650,7 +3675,7 @@
     </p:spTree>
     <p:extLst>
       <p:ext uri="{BB962C8B-B14F-4D97-AF65-F5344CB8AC3E}">
-        <p14:creationId xmlns:p14="http://schemas.microsoft.com/office/powerpoint/2010/main" val="4150830810"/>
+        <p14:creationId xmlns:p14="http://schemas.microsoft.com/office/powerpoint/2010/main" val="3336275430"/>
       </p:ext>
     </p:extLst>
   </p:cSld>
@@ -3694,15 +3719,7 @@
           <a:p>
             <a:r>
               <a:rPr lang="en-US" dirty="0" smtClean="0"/>
-              <a:t>Open</a:t>
-            </a:r>
-            <a:r>
-              <a:rPr lang="zh-CN" altLang="en-US" dirty="0" smtClean="0"/>
-              <a:t> </a:t>
-            </a:r>
-            <a:r>
-              <a:rPr lang="en-US" altLang="zh-CN" dirty="0" smtClean="0"/>
-              <a:t>Questions</a:t>
+              <a:t>Research Issues</a:t>
             </a:r>
             <a:endParaRPr lang="en-US" dirty="0"/>
           </a:p>
@@ -3723,14 +3740,205 @@
           <a:bodyPr/>
           <a:lstStyle/>
           <a:p>
-            <a:endParaRPr lang="en-US"/>
+            <a:r>
+              <a:rPr lang="en-US" dirty="0" smtClean="0"/>
+              <a:t>VANET Networking</a:t>
+            </a:r>
+          </a:p>
+          <a:p>
+            <a:pPr lvl="1"/>
+            <a:r>
+              <a:rPr lang="en-US" dirty="0" smtClean="0"/>
+              <a:t>Data Dissemination</a:t>
+            </a:r>
+          </a:p>
+          <a:p>
+            <a:pPr lvl="2"/>
+            <a:r>
+              <a:rPr lang="en-US" dirty="0" smtClean="0"/>
+              <a:t>Routing</a:t>
+            </a:r>
+            <a:r>
+              <a:rPr lang="zh-CN" altLang="en-US" dirty="0" smtClean="0"/>
+              <a:t> </a:t>
+            </a:r>
+            <a:r>
+              <a:rPr lang="en-US" altLang="zh-CN" dirty="0" smtClean="0"/>
+              <a:t>Protocols</a:t>
+            </a:r>
+            <a:r>
+              <a:rPr lang="en-US" altLang="zh-CN" baseline="30000" dirty="0" smtClean="0"/>
+              <a:t>[8]</a:t>
+            </a:r>
+          </a:p>
+          <a:p>
+            <a:pPr lvl="3"/>
+            <a:r>
+              <a:rPr lang="en-US" altLang="zh-CN" dirty="0" smtClean="0"/>
+              <a:t>AODV</a:t>
+            </a:r>
+            <a:r>
+              <a:rPr lang="en-US" altLang="zh-CN" dirty="0" smtClean="0"/>
+              <a:t>, DSR</a:t>
+            </a:r>
+            <a:r>
+              <a:rPr lang="zh-CN" altLang="zh-CN" dirty="0" smtClean="0"/>
+              <a:t>;</a:t>
+            </a:r>
+            <a:r>
+              <a:rPr lang="en-US" altLang="zh-CN" dirty="0" smtClean="0"/>
+              <a:t>PRAODV;</a:t>
+            </a:r>
+            <a:r>
+              <a:rPr lang="zh-CN" altLang="en-US" dirty="0" smtClean="0"/>
+              <a:t> </a:t>
+            </a:r>
+            <a:r>
+              <a:rPr lang="en-US" altLang="zh-CN" dirty="0" smtClean="0"/>
+              <a:t>LAR</a:t>
+            </a:r>
+            <a:endParaRPr lang="en-US" altLang="zh-CN" dirty="0" smtClean="0"/>
+          </a:p>
+          <a:p>
+            <a:pPr lvl="3"/>
+            <a:r>
+              <a:rPr lang="en-US" altLang="zh-CN" dirty="0" smtClean="0"/>
+              <a:t>GPSR</a:t>
+            </a:r>
+            <a:r>
+              <a:rPr lang="en-US" altLang="zh-CN" dirty="0" smtClean="0"/>
+              <a:t>,</a:t>
+            </a:r>
+            <a:r>
+              <a:rPr lang="zh-CN" altLang="en-US" dirty="0" smtClean="0"/>
+              <a:t> </a:t>
+            </a:r>
+            <a:r>
+              <a:rPr lang="en-US" altLang="zh-CN" dirty="0" smtClean="0"/>
+              <a:t>GSR;</a:t>
+            </a:r>
+            <a:r>
+              <a:rPr lang="zh-CN" altLang="en-US" dirty="0" smtClean="0"/>
+              <a:t> </a:t>
+            </a:r>
+            <a:r>
+              <a:rPr lang="en-US" altLang="zh-CN" dirty="0" smtClean="0"/>
+              <a:t>GPCR;</a:t>
+            </a:r>
+            <a:r>
+              <a:rPr lang="zh-CN" altLang="en-US" dirty="0" smtClean="0"/>
+              <a:t> </a:t>
+            </a:r>
+            <a:r>
+              <a:rPr lang="en-US" altLang="zh-CN" dirty="0" smtClean="0"/>
+              <a:t>A-STAR</a:t>
+            </a:r>
+            <a:endParaRPr lang="en-US" altLang="zh-CN" dirty="0" smtClean="0"/>
+          </a:p>
+          <a:p>
+            <a:pPr lvl="3"/>
+            <a:r>
+              <a:rPr lang="en-US" altLang="zh-CN" dirty="0" smtClean="0"/>
+              <a:t>COIN</a:t>
+            </a:r>
+            <a:r>
+              <a:rPr lang="en-US" altLang="zh-CN" baseline="30000" dirty="0" smtClean="0"/>
+              <a:t>[]</a:t>
+            </a:r>
+            <a:r>
+              <a:rPr lang="en-US" altLang="zh-CN" dirty="0" smtClean="0"/>
+              <a:t>;</a:t>
+            </a:r>
+            <a:r>
+              <a:rPr lang="zh-CN" altLang="en-US" dirty="0" smtClean="0"/>
+              <a:t> </a:t>
+            </a:r>
+            <a:r>
+              <a:rPr lang="en-US" altLang="zh-CN" dirty="0" smtClean="0"/>
+              <a:t>LORA_CBF</a:t>
+            </a:r>
+            <a:r>
+              <a:rPr lang="en-US" altLang="zh-CN" baseline="30000" dirty="0" smtClean="0"/>
+              <a:t>[]</a:t>
+            </a:r>
+          </a:p>
+          <a:p>
+            <a:pPr lvl="3"/>
+            <a:r>
+              <a:rPr lang="en-US" altLang="zh-CN" dirty="0" smtClean="0"/>
+              <a:t>Flooding; </a:t>
+            </a:r>
+            <a:r>
+              <a:rPr lang="en-US" altLang="zh-CN" dirty="0" smtClean="0"/>
+              <a:t>BROADCOMM</a:t>
+            </a:r>
+            <a:r>
+              <a:rPr lang="en-US" altLang="zh-CN" dirty="0" smtClean="0"/>
+              <a:t>,</a:t>
+            </a:r>
+            <a:r>
+              <a:rPr lang="zh-CN" altLang="en-US" dirty="0" smtClean="0"/>
+              <a:t> </a:t>
+            </a:r>
+            <a:r>
+              <a:rPr lang="en-US" altLang="zh-CN" dirty="0" smtClean="0"/>
+              <a:t>V-TRADE,</a:t>
+            </a:r>
+            <a:r>
+              <a:rPr lang="zh-CN" altLang="en-US" dirty="0" smtClean="0"/>
+              <a:t> </a:t>
+            </a:r>
+            <a:r>
+              <a:rPr lang="en-US" altLang="zh-CN" dirty="0" smtClean="0"/>
+              <a:t>HV-TRADE</a:t>
+            </a:r>
+          </a:p>
+          <a:p>
+            <a:pPr lvl="3"/>
+            <a:r>
+              <a:rPr lang="en-US" altLang="zh-CN" dirty="0" smtClean="0"/>
+              <a:t>(Location</a:t>
+            </a:r>
+            <a:r>
+              <a:rPr lang="zh-CN" altLang="en-US" dirty="0" smtClean="0"/>
+              <a:t> </a:t>
+            </a:r>
+            <a:r>
+              <a:rPr lang="en-US" altLang="zh-CN" dirty="0" smtClean="0"/>
+              <a:t>based,</a:t>
+            </a:r>
+            <a:r>
+              <a:rPr lang="zh-CN" altLang="en-US" dirty="0" smtClean="0"/>
+              <a:t> </a:t>
+            </a:r>
+            <a:r>
+              <a:rPr lang="en-US" altLang="zh-CN" dirty="0" smtClean="0"/>
+              <a:t>multicast</a:t>
+            </a:r>
+            <a:r>
+              <a:rPr lang="zh-CN" altLang="en-US" dirty="0" smtClean="0"/>
+              <a:t> </a:t>
+            </a:r>
+            <a:r>
+              <a:rPr lang="en-US" altLang="zh-CN" dirty="0" smtClean="0"/>
+              <a:t>routing)</a:t>
+            </a:r>
+            <a:r>
+              <a:rPr lang="zh-CN" altLang="en-US" dirty="0" smtClean="0"/>
+              <a:t> </a:t>
+            </a:r>
+            <a:r>
+              <a:rPr lang="en-US" altLang="zh-CN" dirty="0" smtClean="0"/>
+              <a:t>IVG</a:t>
+            </a:r>
+            <a:endParaRPr lang="en-US" altLang="zh-CN" dirty="0" smtClean="0"/>
           </a:p>
         </p:txBody>
       </p:sp>
     </p:spTree>
     <p:extLst>
       <p:ext uri="{BB962C8B-B14F-4D97-AF65-F5344CB8AC3E}">
-        <p14:creationId xmlns:p14="http://schemas.microsoft.com/office/powerpoint/2010/main" val="4119516941"/>
+        <p14:creationId xmlns:p14="http://schemas.microsoft.com/office/powerpoint/2010/main" val="2419073303"/>
       </p:ext>
     </p:extLst>
   </p:cSld>
@@ -3774,6 +3982,1231 @@
           <a:p>
             <a:r>
               <a:rPr lang="en-US" dirty="0" smtClean="0"/>
+              <a:t>Research Issues</a:t>
+            </a:r>
+            <a:endParaRPr lang="en-US" dirty="0"/>
+          </a:p>
+        </p:txBody>
+      </p:sp>
+      <p:sp>
+        <p:nvSpPr>
+          <p:cNvPr id="3" name="Content Placeholder 2"/>
+          <p:cNvSpPr>
+            <a:spLocks noGrp="1"/>
+          </p:cNvSpPr>
+          <p:nvPr>
+            <p:ph idx="1"/>
+          </p:nvPr>
+        </p:nvSpPr>
+        <p:spPr/>
+        <p:txBody>
+          <a:bodyPr/>
+          <a:lstStyle/>
+          <a:p>
+            <a:r>
+              <a:rPr lang="en-US" dirty="0" smtClean="0"/>
+              <a:t>VANET Networking</a:t>
+            </a:r>
+          </a:p>
+          <a:p>
+            <a:pPr lvl="1"/>
+            <a:r>
+              <a:rPr lang="en-US" dirty="0" smtClean="0"/>
+              <a:t>Data Dissemination</a:t>
+            </a:r>
+          </a:p>
+          <a:p>
+            <a:pPr lvl="2"/>
+            <a:r>
+              <a:rPr lang="en-US" altLang="zh-CN" dirty="0" smtClean="0"/>
+              <a:t>Mobility</a:t>
+            </a:r>
+            <a:r>
+              <a:rPr lang="zh-CN" altLang="en-US" dirty="0" smtClean="0"/>
+              <a:t> </a:t>
+            </a:r>
+            <a:r>
+              <a:rPr lang="en-US" altLang="zh-CN" dirty="0" smtClean="0"/>
+              <a:t>Models</a:t>
+            </a:r>
+          </a:p>
+          <a:p>
+            <a:pPr lvl="3"/>
+            <a:r>
+              <a:rPr lang="en-US" altLang="zh-CN" dirty="0" smtClean="0"/>
+              <a:t>Random </a:t>
+            </a:r>
+            <a:r>
+              <a:rPr lang="en-US" altLang="zh-CN" dirty="0" err="1" smtClean="0"/>
+              <a:t>WayPoint</a:t>
+            </a:r>
+            <a:r>
+              <a:rPr lang="en-US" altLang="zh-CN" dirty="0" smtClean="0"/>
+              <a:t> (RWP)</a:t>
+            </a:r>
+          </a:p>
+          <a:p>
+            <a:pPr lvl="3"/>
+            <a:r>
+              <a:rPr lang="en-US" altLang="zh-CN" dirty="0" smtClean="0"/>
+              <a:t>Street</a:t>
+            </a:r>
+            <a:r>
+              <a:rPr lang="zh-CN" altLang="en-US" dirty="0" smtClean="0"/>
+              <a:t> </a:t>
+            </a:r>
+            <a:r>
+              <a:rPr lang="en-US" altLang="zh-CN" dirty="0" smtClean="0"/>
+              <a:t>Random</a:t>
+            </a:r>
+            <a:r>
+              <a:rPr lang="zh-CN" altLang="en-US" dirty="0" smtClean="0"/>
+              <a:t> </a:t>
+            </a:r>
+            <a:r>
+              <a:rPr lang="en-US" altLang="zh-CN" dirty="0" err="1" smtClean="0"/>
+              <a:t>WayPoint</a:t>
+            </a:r>
+            <a:endParaRPr lang="en-US" altLang="zh-CN" dirty="0" smtClean="0"/>
+          </a:p>
+          <a:p>
+            <a:pPr lvl="3"/>
+            <a:r>
+              <a:rPr lang="en-US" altLang="zh-CN" dirty="0" smtClean="0"/>
+              <a:t>Using</a:t>
+            </a:r>
+            <a:r>
+              <a:rPr lang="zh-CN" altLang="en-US" dirty="0" smtClean="0"/>
+              <a:t> </a:t>
+            </a:r>
+            <a:r>
+              <a:rPr lang="en-US" altLang="zh-CN" dirty="0" smtClean="0"/>
+              <a:t>realistic</a:t>
+            </a:r>
+            <a:r>
+              <a:rPr lang="zh-CN" altLang="en-US" dirty="0" smtClean="0"/>
+              <a:t> </a:t>
+            </a:r>
+            <a:r>
+              <a:rPr lang="en-US" altLang="zh-CN" dirty="0" smtClean="0"/>
+              <a:t>vehicular</a:t>
+            </a:r>
+            <a:r>
+              <a:rPr lang="zh-CN" altLang="en-US" dirty="0" smtClean="0"/>
+              <a:t> </a:t>
+            </a:r>
+            <a:r>
+              <a:rPr lang="en-US" altLang="zh-CN" dirty="0" smtClean="0"/>
+              <a:t>trace</a:t>
+            </a:r>
+            <a:r>
+              <a:rPr lang="zh-CN" altLang="en-US" dirty="0" smtClean="0"/>
+              <a:t> </a:t>
+            </a:r>
+            <a:r>
+              <a:rPr lang="en-US" altLang="zh-CN" dirty="0" smtClean="0"/>
+              <a:t>data</a:t>
+            </a:r>
+            <a:endParaRPr lang="en-US" altLang="zh-CN" dirty="0" smtClean="0"/>
+          </a:p>
+        </p:txBody>
+      </p:sp>
+    </p:spTree>
+    <p:extLst>
+      <p:ext uri="{BB962C8B-B14F-4D97-AF65-F5344CB8AC3E}">
+        <p14:creationId xmlns:p14="http://schemas.microsoft.com/office/powerpoint/2010/main" val="1862272543"/>
+      </p:ext>
+    </p:extLst>
+  </p:cSld>
+  <p:clrMapOvr>
+    <a:masterClrMapping/>
+  </p:clrMapOvr>
+</p:sld>
+</file>
+
+<file path=ppt/slides/slide15.xml><?xml version="1.0" encoding="utf-8"?>
+<p:sld xmlns:a="http://schemas.openxmlformats.org/drawingml/2006/main" xmlns:r="http://schemas.openxmlformats.org/officeDocument/2006/relationships" xmlns:p="http://schemas.openxmlformats.org/presentationml/2006/main">
+  <p:cSld>
+    <p:spTree>
+      <p:nvGrpSpPr>
+        <p:cNvPr id="1" name=""/>
+        <p:cNvGrpSpPr/>
+        <p:nvPr/>
+      </p:nvGrpSpPr>
+      <p:grpSpPr>
+        <a:xfrm>
+          <a:off x="0" y="0"/>
+          <a:ext cx="0" cy="0"/>
+          <a:chOff x="0" y="0"/>
+          <a:chExt cx="0" cy="0"/>
+        </a:xfrm>
+      </p:grpSpPr>
+      <p:sp>
+        <p:nvSpPr>
+          <p:cNvPr id="2" name="Title 1"/>
+          <p:cNvSpPr>
+            <a:spLocks noGrp="1"/>
+          </p:cNvSpPr>
+          <p:nvPr>
+            <p:ph type="title"/>
+          </p:nvPr>
+        </p:nvSpPr>
+        <p:spPr/>
+        <p:txBody>
+          <a:bodyPr/>
+          <a:lstStyle/>
+          <a:p>
+            <a:r>
+              <a:rPr lang="en-US" dirty="0" smtClean="0"/>
+              <a:t>Research Issues</a:t>
+            </a:r>
+            <a:endParaRPr lang="en-US" dirty="0"/>
+          </a:p>
+        </p:txBody>
+      </p:sp>
+      <p:sp>
+        <p:nvSpPr>
+          <p:cNvPr id="3" name="Content Placeholder 2"/>
+          <p:cNvSpPr>
+            <a:spLocks noGrp="1"/>
+          </p:cNvSpPr>
+          <p:nvPr>
+            <p:ph idx="1"/>
+          </p:nvPr>
+        </p:nvSpPr>
+        <p:spPr/>
+        <p:txBody>
+          <a:bodyPr/>
+          <a:lstStyle/>
+          <a:p>
+            <a:r>
+              <a:rPr lang="en-US" dirty="0" smtClean="0"/>
+              <a:t>VANET Networking</a:t>
+            </a:r>
+          </a:p>
+          <a:p>
+            <a:pPr lvl="1"/>
+            <a:r>
+              <a:rPr lang="en-US" dirty="0" smtClean="0"/>
+              <a:t>Security</a:t>
+            </a:r>
+            <a:r>
+              <a:rPr lang="zh-CN" altLang="zh-CN" dirty="0"/>
+              <a:t> </a:t>
+            </a:r>
+            <a:r>
+              <a:rPr lang="en-US" altLang="zh-CN" dirty="0" smtClean="0"/>
+              <a:t>&amp;</a:t>
+            </a:r>
+            <a:r>
+              <a:rPr lang="zh-CN" altLang="en-US" dirty="0" smtClean="0"/>
+              <a:t> </a:t>
+            </a:r>
+            <a:r>
+              <a:rPr lang="en-US" altLang="zh-CN" dirty="0" smtClean="0"/>
+              <a:t>Privacy</a:t>
+            </a:r>
+            <a:endParaRPr lang="en-US" dirty="0" smtClean="0"/>
+          </a:p>
+          <a:p>
+            <a:pPr lvl="2"/>
+            <a:r>
+              <a:rPr lang="en-US" dirty="0" smtClean="0"/>
+              <a:t>[10][]</a:t>
+            </a:r>
+            <a:endParaRPr lang="en-US" altLang="zh-CN" baseline="30000" dirty="0" smtClean="0"/>
+          </a:p>
+          <a:p>
+            <a:pPr lvl="1"/>
+            <a:endParaRPr lang="en-US" dirty="0"/>
+          </a:p>
+        </p:txBody>
+      </p:sp>
+    </p:spTree>
+    <p:extLst>
+      <p:ext uri="{BB962C8B-B14F-4D97-AF65-F5344CB8AC3E}">
+        <p14:creationId xmlns:p14="http://schemas.microsoft.com/office/powerpoint/2010/main" val="293563382"/>
+      </p:ext>
+    </p:extLst>
+  </p:cSld>
+  <p:clrMapOvr>
+    <a:masterClrMapping/>
+  </p:clrMapOvr>
+</p:sld>
+</file>
+
+<file path=ppt/slides/slide16.xml><?xml version="1.0" encoding="utf-8"?>
+<p:sld xmlns:a="http://schemas.openxmlformats.org/drawingml/2006/main" xmlns:r="http://schemas.openxmlformats.org/officeDocument/2006/relationships" xmlns:p="http://schemas.openxmlformats.org/presentationml/2006/main">
+  <p:cSld>
+    <p:spTree>
+      <p:nvGrpSpPr>
+        <p:cNvPr id="1" name=""/>
+        <p:cNvGrpSpPr/>
+        <p:nvPr/>
+      </p:nvGrpSpPr>
+      <p:grpSpPr>
+        <a:xfrm>
+          <a:off x="0" y="0"/>
+          <a:ext cx="0" cy="0"/>
+          <a:chOff x="0" y="0"/>
+          <a:chExt cx="0" cy="0"/>
+        </a:xfrm>
+      </p:grpSpPr>
+      <p:sp>
+        <p:nvSpPr>
+          <p:cNvPr id="2" name="Title 1"/>
+          <p:cNvSpPr>
+            <a:spLocks noGrp="1"/>
+          </p:cNvSpPr>
+          <p:nvPr>
+            <p:ph type="title"/>
+          </p:nvPr>
+        </p:nvSpPr>
+        <p:spPr/>
+        <p:txBody>
+          <a:bodyPr/>
+          <a:lstStyle/>
+          <a:p>
+            <a:r>
+              <a:rPr lang="en-US" dirty="0" smtClean="0"/>
+              <a:t>Research Issues</a:t>
+            </a:r>
+            <a:endParaRPr lang="en-US" dirty="0"/>
+          </a:p>
+        </p:txBody>
+      </p:sp>
+      <p:sp>
+        <p:nvSpPr>
+          <p:cNvPr id="3" name="Content Placeholder 2"/>
+          <p:cNvSpPr>
+            <a:spLocks noGrp="1"/>
+          </p:cNvSpPr>
+          <p:nvPr>
+            <p:ph idx="1"/>
+          </p:nvPr>
+        </p:nvSpPr>
+        <p:spPr/>
+        <p:txBody>
+          <a:bodyPr/>
+          <a:lstStyle/>
+          <a:p>
+            <a:r>
+              <a:rPr lang="en-US" dirty="0" smtClean="0"/>
+              <a:t>VANET Networking</a:t>
+            </a:r>
+          </a:p>
+          <a:p>
+            <a:pPr lvl="1"/>
+            <a:r>
+              <a:rPr lang="en-US" dirty="0" err="1" smtClean="0"/>
+              <a:t>QoS</a:t>
+            </a:r>
+            <a:r>
+              <a:rPr lang="zh-CN" altLang="en-US" dirty="0" smtClean="0"/>
+              <a:t> </a:t>
+            </a:r>
+            <a:r>
+              <a:rPr lang="en-US" altLang="zh-CN" dirty="0" smtClean="0"/>
+              <a:t>Support</a:t>
+            </a:r>
+            <a:endParaRPr lang="en-US" dirty="0" smtClean="0"/>
+          </a:p>
+          <a:p>
+            <a:pPr lvl="2"/>
+            <a:r>
+              <a:rPr lang="en-US" dirty="0" smtClean="0"/>
+              <a:t>To</a:t>
+            </a:r>
+            <a:r>
+              <a:rPr lang="zh-CN" altLang="en-US" dirty="0" smtClean="0"/>
+              <a:t> </a:t>
+            </a:r>
+            <a:r>
+              <a:rPr lang="en-US" altLang="zh-CN" dirty="0" smtClean="0"/>
+              <a:t>be</a:t>
+            </a:r>
+            <a:r>
+              <a:rPr lang="zh-CN" altLang="en-US" dirty="0" smtClean="0"/>
+              <a:t> </a:t>
+            </a:r>
+            <a:r>
+              <a:rPr lang="en-US" altLang="zh-CN" dirty="0" smtClean="0"/>
+              <a:t>completed</a:t>
+            </a:r>
+            <a:endParaRPr lang="en-US" altLang="zh-CN" baseline="30000" dirty="0" smtClean="0"/>
+          </a:p>
+          <a:p>
+            <a:pPr lvl="1"/>
+            <a:endParaRPr lang="en-US" dirty="0"/>
+          </a:p>
+        </p:txBody>
+      </p:sp>
+    </p:spTree>
+    <p:extLst>
+      <p:ext uri="{BB962C8B-B14F-4D97-AF65-F5344CB8AC3E}">
+        <p14:creationId xmlns:p14="http://schemas.microsoft.com/office/powerpoint/2010/main" val="1119684368"/>
+      </p:ext>
+    </p:extLst>
+  </p:cSld>
+  <p:clrMapOvr>
+    <a:masterClrMapping/>
+  </p:clrMapOvr>
+</p:sld>
+</file>
+
+<file path=ppt/slides/slide17.xml><?xml version="1.0" encoding="utf-8"?>
+<p:sld xmlns:a="http://schemas.openxmlformats.org/drawingml/2006/main" xmlns:r="http://schemas.openxmlformats.org/officeDocument/2006/relationships" xmlns:p="http://schemas.openxmlformats.org/presentationml/2006/main">
+  <p:cSld>
+    <p:spTree>
+      <p:nvGrpSpPr>
+        <p:cNvPr id="1" name=""/>
+        <p:cNvGrpSpPr/>
+        <p:nvPr/>
+      </p:nvGrpSpPr>
+      <p:grpSpPr>
+        <a:xfrm>
+          <a:off x="0" y="0"/>
+          <a:ext cx="0" cy="0"/>
+          <a:chOff x="0" y="0"/>
+          <a:chExt cx="0" cy="0"/>
+        </a:xfrm>
+      </p:grpSpPr>
+      <p:sp>
+        <p:nvSpPr>
+          <p:cNvPr id="2" name="Title 1"/>
+          <p:cNvSpPr>
+            <a:spLocks noGrp="1"/>
+          </p:cNvSpPr>
+          <p:nvPr>
+            <p:ph type="title"/>
+          </p:nvPr>
+        </p:nvSpPr>
+        <p:spPr/>
+        <p:txBody>
+          <a:bodyPr/>
+          <a:lstStyle/>
+          <a:p>
+            <a:r>
+              <a:rPr lang="en-US" altLang="zh-CN" dirty="0" smtClean="0"/>
+              <a:t>Research</a:t>
+            </a:r>
+            <a:r>
+              <a:rPr lang="zh-CN" altLang="en-US" dirty="0" smtClean="0"/>
+              <a:t> </a:t>
+            </a:r>
+            <a:r>
+              <a:rPr lang="en-US" altLang="zh-CN" dirty="0" smtClean="0"/>
+              <a:t>Issues</a:t>
+            </a:r>
+            <a:endParaRPr lang="en-US" dirty="0"/>
+          </a:p>
+        </p:txBody>
+      </p:sp>
+      <p:sp>
+        <p:nvSpPr>
+          <p:cNvPr id="3" name="Content Placeholder 2"/>
+          <p:cNvSpPr>
+            <a:spLocks noGrp="1"/>
+          </p:cNvSpPr>
+          <p:nvPr>
+            <p:ph idx="1"/>
+          </p:nvPr>
+        </p:nvSpPr>
+        <p:spPr/>
+        <p:txBody>
+          <a:bodyPr>
+            <a:normAutofit fontScale="92500" lnSpcReduction="10000"/>
+          </a:bodyPr>
+          <a:lstStyle/>
+          <a:p>
+            <a:r>
+              <a:rPr lang="en-US" altLang="zh-CN" dirty="0" smtClean="0"/>
+              <a:t>VANET</a:t>
+            </a:r>
+            <a:r>
+              <a:rPr lang="en-US" altLang="zh-CN" dirty="0" smtClean="0"/>
+              <a:t> </a:t>
+            </a:r>
+            <a:r>
+              <a:rPr lang="en-US" altLang="zh-CN" dirty="0" smtClean="0"/>
+              <a:t>Applications</a:t>
+            </a:r>
+            <a:endParaRPr lang="en-US" altLang="zh-CN" dirty="0" smtClean="0"/>
+          </a:p>
+          <a:p>
+            <a:pPr lvl="1"/>
+            <a:r>
+              <a:rPr lang="en-US" altLang="zh-CN" dirty="0" smtClean="0"/>
+              <a:t>Comfort</a:t>
+            </a:r>
+            <a:r>
+              <a:rPr lang="zh-CN" altLang="en-US" dirty="0" smtClean="0"/>
+              <a:t> </a:t>
+            </a:r>
+            <a:r>
+              <a:rPr lang="en-US" altLang="zh-CN" dirty="0"/>
+              <a:t>A</a:t>
+            </a:r>
+            <a:r>
+              <a:rPr lang="en-US" altLang="zh-CN" dirty="0" smtClean="0"/>
+              <a:t>pplications</a:t>
+            </a:r>
+            <a:r>
+              <a:rPr lang="zh-CN" altLang="en-US" dirty="0" smtClean="0"/>
+              <a:t> </a:t>
+            </a:r>
+            <a:endParaRPr lang="en-US" altLang="zh-CN" dirty="0" smtClean="0"/>
+          </a:p>
+          <a:p>
+            <a:pPr lvl="2"/>
+            <a:r>
+              <a:rPr lang="en-US" altLang="zh-CN" dirty="0" smtClean="0"/>
+              <a:t>Awareness based</a:t>
+            </a:r>
+          </a:p>
+          <a:p>
+            <a:pPr lvl="2"/>
+            <a:r>
+              <a:rPr lang="en-US" altLang="zh-CN" dirty="0" smtClean="0"/>
+              <a:t>I</a:t>
+            </a:r>
+            <a:r>
+              <a:rPr lang="en-US" altLang="zh-CN" dirty="0" smtClean="0"/>
+              <a:t>nternet</a:t>
+            </a:r>
+            <a:r>
+              <a:rPr lang="zh-CN" altLang="en-US" dirty="0" smtClean="0"/>
+              <a:t> </a:t>
+            </a:r>
+            <a:r>
+              <a:rPr lang="en-US" altLang="zh-CN" dirty="0" smtClean="0"/>
+              <a:t>connectivity</a:t>
+            </a:r>
+            <a:r>
+              <a:rPr lang="zh-CN" altLang="en-US" dirty="0" smtClean="0"/>
+              <a:t> </a:t>
+            </a:r>
+            <a:endParaRPr lang="en-US" altLang="zh-CN" dirty="0" smtClean="0"/>
+          </a:p>
+          <a:p>
+            <a:pPr lvl="2"/>
+            <a:r>
+              <a:rPr lang="en-US" altLang="zh-CN" dirty="0" smtClean="0"/>
+              <a:t>Peer-to-peer</a:t>
+            </a:r>
+            <a:r>
+              <a:rPr lang="zh-CN" altLang="en-US" dirty="0" smtClean="0"/>
+              <a:t> </a:t>
+            </a:r>
+            <a:r>
+              <a:rPr lang="en-US" altLang="zh-CN" dirty="0" smtClean="0"/>
+              <a:t>applications</a:t>
+            </a:r>
+            <a:endParaRPr lang="en-US" altLang="zh-CN" dirty="0" smtClean="0"/>
+          </a:p>
+          <a:p>
+            <a:pPr lvl="1"/>
+            <a:r>
+              <a:rPr lang="en-US" altLang="zh-CN" dirty="0" smtClean="0"/>
+              <a:t>Safety</a:t>
+            </a:r>
+            <a:r>
+              <a:rPr lang="zh-CN" altLang="en-US" dirty="0" smtClean="0"/>
+              <a:t> </a:t>
+            </a:r>
+            <a:r>
+              <a:rPr lang="en-US" altLang="zh-CN" dirty="0" smtClean="0"/>
+              <a:t>Applications (Intelligent</a:t>
+            </a:r>
+            <a:r>
+              <a:rPr lang="zh-CN" altLang="en-US" dirty="0" smtClean="0"/>
+              <a:t> </a:t>
+            </a:r>
+            <a:r>
+              <a:rPr lang="en-US" altLang="zh-CN" dirty="0" smtClean="0"/>
+              <a:t>transportation</a:t>
+            </a:r>
+            <a:r>
+              <a:rPr lang="zh-CN" altLang="en-US" dirty="0" smtClean="0"/>
+              <a:t> </a:t>
+            </a:r>
+            <a:r>
+              <a:rPr lang="en-US" altLang="zh-CN" dirty="0" smtClean="0"/>
+              <a:t>applications)</a:t>
+            </a:r>
+          </a:p>
+          <a:p>
+            <a:pPr lvl="2"/>
+            <a:r>
+              <a:rPr lang="en-US" altLang="zh-CN" dirty="0" smtClean="0"/>
+              <a:t>Event</a:t>
+            </a:r>
+            <a:r>
+              <a:rPr lang="zh-CN" altLang="en-US" dirty="0" smtClean="0"/>
+              <a:t> </a:t>
+            </a:r>
+            <a:r>
+              <a:rPr lang="en-US" altLang="zh-CN" dirty="0" smtClean="0"/>
+              <a:t>based</a:t>
+            </a:r>
+          </a:p>
+          <a:p>
+            <a:pPr lvl="2"/>
+            <a:r>
+              <a:rPr lang="en-US" altLang="zh-CN" dirty="0" smtClean="0"/>
+              <a:t>Collision</a:t>
+            </a:r>
+            <a:r>
+              <a:rPr lang="zh-CN" altLang="en-US" dirty="0" smtClean="0"/>
+              <a:t> </a:t>
+            </a:r>
+            <a:r>
+              <a:rPr lang="en-US" altLang="zh-CN" dirty="0" smtClean="0"/>
+              <a:t>avoidance</a:t>
+            </a:r>
+            <a:r>
+              <a:rPr lang="en-US" altLang="zh-CN" baseline="30000" dirty="0" smtClean="0"/>
+              <a:t>[4</a:t>
+            </a:r>
+            <a:r>
+              <a:rPr lang="en-US" altLang="zh-CN" baseline="30000" dirty="0" smtClean="0"/>
+              <a:t>]</a:t>
+            </a:r>
+          </a:p>
+          <a:p>
+            <a:pPr lvl="2"/>
+            <a:r>
+              <a:rPr lang="en-US" altLang="zh-CN" dirty="0" smtClean="0"/>
+              <a:t>On</a:t>
+            </a:r>
+            <a:r>
+              <a:rPr lang="en-US" altLang="zh-CN" dirty="0" smtClean="0"/>
+              <a:t>-board navigation</a:t>
+            </a:r>
+          </a:p>
+          <a:p>
+            <a:pPr lvl="2"/>
+            <a:r>
+              <a:rPr lang="en-US" altLang="zh-CN" dirty="0" smtClean="0"/>
+              <a:t>Co-operative traffic monitoring</a:t>
+            </a:r>
+            <a:endParaRPr lang="en-US" altLang="zh-CN" dirty="0" smtClean="0"/>
+          </a:p>
+          <a:p>
+            <a:pPr lvl="2"/>
+            <a:endParaRPr lang="en-US" altLang="zh-CN" dirty="0" smtClean="0"/>
+          </a:p>
+        </p:txBody>
+      </p:sp>
+    </p:spTree>
+    <p:extLst>
+      <p:ext uri="{BB962C8B-B14F-4D97-AF65-F5344CB8AC3E}">
+        <p14:creationId xmlns:p14="http://schemas.microsoft.com/office/powerpoint/2010/main" val="4150830810"/>
+      </p:ext>
+    </p:extLst>
+  </p:cSld>
+  <p:clrMapOvr>
+    <a:masterClrMapping/>
+  </p:clrMapOvr>
+</p:sld>
+</file>
+
+<file path=ppt/slides/slide18.xml><?xml version="1.0" encoding="utf-8"?>
+<p:sld xmlns:a="http://schemas.openxmlformats.org/drawingml/2006/main" xmlns:r="http://schemas.openxmlformats.org/officeDocument/2006/relationships" xmlns:p="http://schemas.openxmlformats.org/presentationml/2006/main">
+  <p:cSld>
+    <p:spTree>
+      <p:nvGrpSpPr>
+        <p:cNvPr id="1" name=""/>
+        <p:cNvGrpSpPr/>
+        <p:nvPr/>
+      </p:nvGrpSpPr>
+      <p:grpSpPr>
+        <a:xfrm>
+          <a:off x="0" y="0"/>
+          <a:ext cx="0" cy="0"/>
+          <a:chOff x="0" y="0"/>
+          <a:chExt cx="0" cy="0"/>
+        </a:xfrm>
+      </p:grpSpPr>
+      <p:sp>
+        <p:nvSpPr>
+          <p:cNvPr id="2" name="Title 1"/>
+          <p:cNvSpPr>
+            <a:spLocks noGrp="1"/>
+          </p:cNvSpPr>
+          <p:nvPr>
+            <p:ph type="title"/>
+          </p:nvPr>
+        </p:nvSpPr>
+        <p:spPr/>
+        <p:txBody>
+          <a:bodyPr/>
+          <a:lstStyle/>
+          <a:p>
+            <a:r>
+              <a:rPr lang="en-US" dirty="0" smtClean="0"/>
+              <a:t>Open</a:t>
+            </a:r>
+            <a:r>
+              <a:rPr lang="zh-CN" altLang="en-US" dirty="0" smtClean="0"/>
+              <a:t> </a:t>
+            </a:r>
+            <a:r>
+              <a:rPr lang="en-US" altLang="zh-CN" dirty="0" smtClean="0"/>
+              <a:t>Questions</a:t>
+            </a:r>
+            <a:endParaRPr lang="en-US" dirty="0"/>
+          </a:p>
+        </p:txBody>
+      </p:sp>
+      <p:sp>
+        <p:nvSpPr>
+          <p:cNvPr id="3" name="Content Placeholder 2"/>
+          <p:cNvSpPr>
+            <a:spLocks noGrp="1"/>
+          </p:cNvSpPr>
+          <p:nvPr>
+            <p:ph idx="1"/>
+          </p:nvPr>
+        </p:nvSpPr>
+        <p:spPr/>
+        <p:txBody>
+          <a:bodyPr>
+            <a:normAutofit fontScale="85000" lnSpcReduction="20000"/>
+          </a:bodyPr>
+          <a:lstStyle/>
+          <a:p>
+            <a:r>
+              <a:rPr lang="en-US" dirty="0" smtClean="0"/>
+              <a:t>How</a:t>
+            </a:r>
+            <a:r>
+              <a:rPr lang="zh-CN" altLang="en-US" dirty="0" smtClean="0"/>
+              <a:t> </a:t>
+            </a:r>
+            <a:r>
+              <a:rPr lang="en-US" altLang="zh-CN" dirty="0" smtClean="0"/>
+              <a:t>to</a:t>
+            </a:r>
+            <a:r>
+              <a:rPr lang="zh-CN" altLang="en-US" dirty="0" smtClean="0"/>
+              <a:t> </a:t>
+            </a:r>
+            <a:r>
+              <a:rPr lang="en-US" dirty="0" smtClean="0"/>
+              <a:t>Cope</a:t>
+            </a:r>
+            <a:r>
+              <a:rPr lang="zh-CN" altLang="en-US" dirty="0" smtClean="0"/>
+              <a:t> </a:t>
+            </a:r>
+            <a:r>
+              <a:rPr lang="en-US" altLang="zh-CN" dirty="0" smtClean="0"/>
+              <a:t>with</a:t>
+            </a:r>
+            <a:r>
+              <a:rPr lang="zh-CN" altLang="en-US" dirty="0" smtClean="0"/>
+              <a:t> </a:t>
+            </a:r>
+            <a:r>
+              <a:rPr lang="en-US" altLang="zh-CN" dirty="0" smtClean="0"/>
+              <a:t>High</a:t>
+            </a:r>
+            <a:r>
+              <a:rPr lang="zh-CN" altLang="en-US" dirty="0" smtClean="0"/>
+              <a:t> </a:t>
+            </a:r>
+            <a:r>
+              <a:rPr lang="en-US" altLang="zh-CN" dirty="0" smtClean="0"/>
+              <a:t>Node</a:t>
+            </a:r>
+            <a:r>
+              <a:rPr lang="zh-CN" altLang="en-US" dirty="0" smtClean="0"/>
+              <a:t> </a:t>
+            </a:r>
+            <a:r>
+              <a:rPr lang="en-US" altLang="zh-CN" dirty="0" smtClean="0"/>
+              <a:t>Density?</a:t>
+            </a:r>
+          </a:p>
+          <a:p>
+            <a:pPr lvl="1"/>
+            <a:r>
+              <a:rPr lang="en-US" altLang="zh-CN" dirty="0" smtClean="0"/>
+              <a:t>Spatial</a:t>
+            </a:r>
+            <a:r>
+              <a:rPr lang="zh-CN" altLang="en-US" dirty="0" smtClean="0"/>
+              <a:t> </a:t>
+            </a:r>
+            <a:r>
+              <a:rPr lang="en-US" altLang="zh-CN" dirty="0" smtClean="0"/>
+              <a:t>reuse</a:t>
+            </a:r>
+            <a:r>
+              <a:rPr lang="zh-CN" altLang="en-US" dirty="0" smtClean="0"/>
+              <a:t> </a:t>
+            </a:r>
+            <a:r>
+              <a:rPr lang="en-US" altLang="zh-CN" dirty="0" smtClean="0"/>
+              <a:t>(different</a:t>
+            </a:r>
+            <a:r>
+              <a:rPr lang="zh-CN" altLang="en-US" dirty="0" smtClean="0"/>
+              <a:t> </a:t>
+            </a:r>
+            <a:r>
+              <a:rPr lang="en-US" altLang="zh-CN" dirty="0" smtClean="0"/>
+              <a:t>from</a:t>
+            </a:r>
+            <a:r>
+              <a:rPr lang="zh-CN" altLang="en-US" dirty="0" smtClean="0"/>
+              <a:t> </a:t>
+            </a:r>
+            <a:r>
+              <a:rPr lang="en-US" altLang="zh-CN" dirty="0" smtClean="0"/>
+              <a:t>wired</a:t>
+            </a:r>
+            <a:r>
+              <a:rPr lang="zh-CN" altLang="en-US" dirty="0" smtClean="0"/>
+              <a:t> </a:t>
+            </a:r>
+            <a:r>
+              <a:rPr lang="en-US" altLang="zh-CN" dirty="0" smtClean="0"/>
+              <a:t>scenario)</a:t>
+            </a:r>
+          </a:p>
+          <a:p>
+            <a:pPr lvl="1"/>
+            <a:r>
+              <a:rPr lang="en-US" altLang="zh-CN" dirty="0" smtClean="0"/>
+              <a:t>Traffic</a:t>
+            </a:r>
+            <a:r>
+              <a:rPr lang="zh-CN" altLang="en-US" dirty="0" smtClean="0"/>
+              <a:t> </a:t>
+            </a:r>
+            <a:r>
+              <a:rPr lang="en-US" altLang="zh-CN" dirty="0" smtClean="0"/>
+              <a:t>jam,</a:t>
+            </a:r>
+            <a:r>
+              <a:rPr lang="zh-CN" altLang="en-US" dirty="0" smtClean="0"/>
+              <a:t> </a:t>
+            </a:r>
+            <a:r>
+              <a:rPr lang="en-US" altLang="zh-CN" dirty="0" smtClean="0"/>
+              <a:t>accident</a:t>
+            </a:r>
+          </a:p>
+          <a:p>
+            <a:pPr lvl="1"/>
+            <a:r>
+              <a:rPr lang="en-US" altLang="zh-CN" dirty="0" smtClean="0"/>
+              <a:t>Solutions</a:t>
+            </a:r>
+          </a:p>
+          <a:p>
+            <a:pPr lvl="2"/>
+            <a:r>
+              <a:rPr lang="en-US" altLang="zh-CN" baseline="30000" dirty="0" smtClean="0"/>
+              <a:t>[12]</a:t>
+            </a:r>
+          </a:p>
+          <a:p>
+            <a:r>
+              <a:rPr lang="en-US" dirty="0" smtClean="0"/>
+              <a:t>How</a:t>
+            </a:r>
+            <a:r>
+              <a:rPr lang="zh-CN" altLang="en-US" dirty="0" smtClean="0"/>
+              <a:t> </a:t>
+            </a:r>
+            <a:r>
+              <a:rPr lang="en-US" altLang="zh-CN" dirty="0" smtClean="0"/>
+              <a:t>to</a:t>
+            </a:r>
+            <a:r>
+              <a:rPr lang="zh-CN" altLang="en-US" dirty="0" smtClean="0"/>
+              <a:t> </a:t>
+            </a:r>
+            <a:r>
+              <a:rPr lang="en-US" altLang="zh-CN" dirty="0" smtClean="0"/>
+              <a:t>guarantee</a:t>
+            </a:r>
+            <a:r>
+              <a:rPr lang="zh-CN" altLang="en-US" dirty="0" smtClean="0"/>
+              <a:t> </a:t>
+            </a:r>
+            <a:r>
+              <a:rPr lang="en-US" dirty="0" err="1" smtClean="0"/>
+              <a:t>QoS</a:t>
+            </a:r>
+            <a:r>
+              <a:rPr lang="zh-CN" altLang="en-US" dirty="0" smtClean="0"/>
+              <a:t> </a:t>
+            </a:r>
+            <a:r>
+              <a:rPr lang="en-US" altLang="zh-CN" dirty="0" smtClean="0"/>
+              <a:t>and</a:t>
+            </a:r>
+            <a:r>
+              <a:rPr lang="zh-CN" altLang="en-US" dirty="0" smtClean="0"/>
+              <a:t> </a:t>
+            </a:r>
+            <a:r>
+              <a:rPr lang="en-US" altLang="zh-CN" dirty="0" smtClean="0"/>
+              <a:t>Time-Critical</a:t>
+            </a:r>
+            <a:r>
+              <a:rPr lang="zh-CN" altLang="en-US" dirty="0" smtClean="0"/>
+              <a:t> </a:t>
+            </a:r>
+            <a:r>
+              <a:rPr lang="en-US" altLang="zh-CN" dirty="0" smtClean="0"/>
+              <a:t>Traffic?</a:t>
+            </a:r>
+          </a:p>
+          <a:p>
+            <a:pPr lvl="1"/>
+            <a:r>
+              <a:rPr lang="en-US" altLang="zh-CN" dirty="0" smtClean="0"/>
+              <a:t>Current</a:t>
+            </a:r>
+            <a:r>
+              <a:rPr lang="zh-CN" altLang="en-US" dirty="0" smtClean="0"/>
+              <a:t> </a:t>
+            </a:r>
+            <a:r>
+              <a:rPr lang="en-US" altLang="zh-CN" dirty="0" smtClean="0"/>
+              <a:t>WLAN</a:t>
+            </a:r>
+            <a:r>
+              <a:rPr lang="zh-CN" altLang="en-US" dirty="0" smtClean="0"/>
+              <a:t> </a:t>
+            </a:r>
+            <a:r>
+              <a:rPr lang="en-US" altLang="zh-CN" dirty="0" smtClean="0"/>
+              <a:t>solutions</a:t>
+            </a:r>
+            <a:r>
+              <a:rPr lang="zh-CN" altLang="en-US" dirty="0" smtClean="0"/>
+              <a:t> </a:t>
+            </a:r>
+            <a:r>
+              <a:rPr lang="en-US" altLang="zh-CN" dirty="0" smtClean="0"/>
+              <a:t>with</a:t>
+            </a:r>
+            <a:r>
+              <a:rPr lang="zh-CN" altLang="en-US" dirty="0" smtClean="0"/>
+              <a:t> </a:t>
+            </a:r>
+            <a:r>
+              <a:rPr lang="en-US" altLang="zh-CN" dirty="0" smtClean="0"/>
+              <a:t>no</a:t>
+            </a:r>
+            <a:r>
+              <a:rPr lang="zh-CN" altLang="en-US" dirty="0" smtClean="0"/>
+              <a:t> </a:t>
+            </a:r>
+            <a:r>
+              <a:rPr lang="en-US" altLang="zh-CN" dirty="0" smtClean="0"/>
+              <a:t>time</a:t>
+            </a:r>
+            <a:r>
+              <a:rPr lang="zh-CN" altLang="en-US" dirty="0" smtClean="0"/>
+              <a:t> </a:t>
+            </a:r>
+            <a:r>
+              <a:rPr lang="en-US" altLang="zh-CN" dirty="0" smtClean="0"/>
+              <a:t>constraints</a:t>
+            </a:r>
+          </a:p>
+          <a:p>
+            <a:pPr lvl="1"/>
+            <a:r>
+              <a:rPr lang="en-US" altLang="zh-CN" dirty="0" smtClean="0"/>
+              <a:t>Broadcast</a:t>
+            </a:r>
+            <a:r>
+              <a:rPr lang="zh-CN" altLang="en-US" dirty="0" smtClean="0"/>
+              <a:t> </a:t>
+            </a:r>
+            <a:r>
+              <a:rPr lang="en-US" altLang="zh-CN" dirty="0" smtClean="0"/>
+              <a:t>storm</a:t>
+            </a:r>
+          </a:p>
+          <a:p>
+            <a:pPr lvl="1"/>
+            <a:r>
+              <a:rPr lang="en-US" altLang="zh-CN" dirty="0" smtClean="0"/>
+              <a:t>Solutions</a:t>
+            </a:r>
+          </a:p>
+          <a:p>
+            <a:pPr lvl="2"/>
+            <a:r>
+              <a:rPr lang="en-US" altLang="zh-CN" dirty="0" smtClean="0"/>
+              <a:t>Change</a:t>
+            </a:r>
+            <a:r>
+              <a:rPr lang="zh-CN" altLang="en-US" dirty="0" smtClean="0"/>
+              <a:t> </a:t>
+            </a:r>
+            <a:r>
+              <a:rPr lang="en-US" altLang="zh-CN" dirty="0" smtClean="0"/>
+              <a:t>the</a:t>
+            </a:r>
+            <a:r>
+              <a:rPr lang="zh-CN" altLang="en-US" dirty="0" smtClean="0"/>
+              <a:t> </a:t>
+            </a:r>
+            <a:r>
+              <a:rPr lang="en-US" altLang="zh-CN" dirty="0" smtClean="0"/>
+              <a:t>number</a:t>
+            </a:r>
+            <a:r>
+              <a:rPr lang="zh-CN" altLang="en-US" dirty="0" smtClean="0"/>
+              <a:t> </a:t>
+            </a:r>
+            <a:r>
+              <a:rPr lang="en-US" altLang="zh-CN" dirty="0" smtClean="0"/>
+              <a:t>of</a:t>
+            </a:r>
+            <a:r>
+              <a:rPr lang="zh-CN" altLang="en-US" dirty="0" smtClean="0"/>
+              <a:t> </a:t>
+            </a:r>
+            <a:r>
+              <a:rPr lang="en-US" altLang="zh-CN" dirty="0" smtClean="0"/>
+              <a:t>vehicles</a:t>
+            </a:r>
+            <a:r>
+              <a:rPr lang="zh-CN" altLang="en-US" dirty="0" smtClean="0"/>
+              <a:t> </a:t>
+            </a:r>
+            <a:r>
+              <a:rPr lang="en-US" altLang="zh-CN" dirty="0" smtClean="0"/>
+              <a:t>transmitting</a:t>
+            </a:r>
+            <a:r>
+              <a:rPr lang="zh-CN" altLang="en-US" dirty="0" smtClean="0"/>
+              <a:t> </a:t>
+            </a:r>
+            <a:r>
+              <a:rPr lang="en-US" altLang="zh-CN" dirty="0" smtClean="0"/>
+              <a:t>message</a:t>
+            </a:r>
+          </a:p>
+          <a:p>
+            <a:pPr lvl="2"/>
+            <a:r>
+              <a:rPr lang="en-US" altLang="zh-CN" dirty="0" smtClean="0"/>
+              <a:t>Change</a:t>
+            </a:r>
+            <a:r>
+              <a:rPr lang="zh-CN" altLang="en-US" dirty="0" smtClean="0"/>
+              <a:t> </a:t>
+            </a:r>
+            <a:r>
+              <a:rPr lang="en-US" altLang="zh-CN" dirty="0" smtClean="0"/>
+              <a:t>the</a:t>
+            </a:r>
+            <a:r>
+              <a:rPr lang="zh-CN" altLang="en-US" dirty="0" smtClean="0"/>
+              <a:t> </a:t>
+            </a:r>
+            <a:r>
+              <a:rPr lang="en-US" altLang="zh-CN" dirty="0" smtClean="0"/>
+              <a:t>rate</a:t>
+            </a:r>
+            <a:r>
+              <a:rPr lang="zh-CN" altLang="en-US" dirty="0" smtClean="0"/>
+              <a:t> </a:t>
+            </a:r>
+            <a:r>
+              <a:rPr lang="en-US" altLang="zh-CN" dirty="0" smtClean="0"/>
+              <a:t>at</a:t>
+            </a:r>
+            <a:r>
+              <a:rPr lang="zh-CN" altLang="en-US" dirty="0" smtClean="0"/>
+              <a:t> </a:t>
+            </a:r>
+            <a:r>
+              <a:rPr lang="en-US" altLang="zh-CN" dirty="0" smtClean="0"/>
+              <a:t>which</a:t>
+            </a:r>
+            <a:r>
+              <a:rPr lang="zh-CN" altLang="en-US" dirty="0" smtClean="0"/>
+              <a:t> </a:t>
+            </a:r>
+            <a:r>
+              <a:rPr lang="en-US" altLang="zh-CN" dirty="0" smtClean="0"/>
+              <a:t>they</a:t>
+            </a:r>
+            <a:r>
+              <a:rPr lang="zh-CN" altLang="en-US" dirty="0" smtClean="0"/>
+              <a:t> </a:t>
+            </a:r>
+            <a:r>
+              <a:rPr lang="en-US" altLang="zh-CN" dirty="0" smtClean="0"/>
+              <a:t>transmit</a:t>
+            </a:r>
+          </a:p>
+          <a:p>
+            <a:pPr lvl="2"/>
+            <a:r>
+              <a:rPr lang="en-US" altLang="zh-CN" dirty="0" smtClean="0"/>
+              <a:t>Change</a:t>
+            </a:r>
+            <a:r>
+              <a:rPr lang="zh-CN" altLang="en-US" dirty="0" smtClean="0"/>
+              <a:t> </a:t>
+            </a:r>
+            <a:r>
+              <a:rPr lang="en-US" altLang="zh-CN" dirty="0" smtClean="0"/>
+              <a:t>the</a:t>
+            </a:r>
+            <a:r>
+              <a:rPr lang="zh-CN" altLang="en-US" dirty="0" smtClean="0"/>
+              <a:t> </a:t>
+            </a:r>
+            <a:r>
+              <a:rPr lang="en-US" altLang="zh-CN" dirty="0" smtClean="0"/>
+              <a:t>range</a:t>
+            </a:r>
+            <a:r>
+              <a:rPr lang="zh-CN" altLang="en-US" dirty="0" smtClean="0"/>
+              <a:t> </a:t>
+            </a:r>
+            <a:r>
+              <a:rPr lang="en-US" altLang="zh-CN" dirty="0" smtClean="0"/>
+              <a:t>of</a:t>
+            </a:r>
+            <a:r>
+              <a:rPr lang="zh-CN" altLang="en-US" dirty="0" smtClean="0"/>
+              <a:t> </a:t>
+            </a:r>
+            <a:r>
+              <a:rPr lang="en-US" altLang="zh-CN" dirty="0" smtClean="0"/>
+              <a:t>messages</a:t>
+            </a:r>
+            <a:r>
+              <a:rPr lang="zh-CN" altLang="en-US" dirty="0" smtClean="0"/>
+              <a:t> </a:t>
+            </a:r>
+            <a:r>
+              <a:rPr lang="en-US" altLang="zh-CN" dirty="0" smtClean="0"/>
+              <a:t>as</a:t>
+            </a:r>
+            <a:r>
+              <a:rPr lang="zh-CN" altLang="en-US" dirty="0" smtClean="0"/>
+              <a:t> </a:t>
+            </a:r>
+            <a:r>
+              <a:rPr lang="en-US" altLang="zh-CN" dirty="0" smtClean="0"/>
+              <a:t>the</a:t>
+            </a:r>
+            <a:r>
+              <a:rPr lang="zh-CN" altLang="en-US" dirty="0" smtClean="0"/>
+              <a:t> </a:t>
+            </a:r>
+            <a:r>
+              <a:rPr lang="en-US" altLang="zh-CN" dirty="0" smtClean="0"/>
+              <a:t>number</a:t>
+            </a:r>
+            <a:r>
+              <a:rPr lang="zh-CN" altLang="en-US" dirty="0" smtClean="0"/>
+              <a:t> </a:t>
+            </a:r>
+            <a:r>
+              <a:rPr lang="en-US" altLang="zh-CN" dirty="0" smtClean="0"/>
+              <a:t>of</a:t>
+            </a:r>
+            <a:r>
+              <a:rPr lang="zh-CN" altLang="en-US" dirty="0" smtClean="0"/>
+              <a:t> </a:t>
+            </a:r>
+            <a:r>
+              <a:rPr lang="en-US" altLang="zh-CN" dirty="0" smtClean="0"/>
+              <a:t>vehicles</a:t>
+            </a:r>
+            <a:r>
+              <a:rPr lang="zh-CN" altLang="en-US" dirty="0" smtClean="0"/>
+              <a:t> </a:t>
+            </a:r>
+            <a:r>
+              <a:rPr lang="en-US" altLang="zh-CN" dirty="0" smtClean="0"/>
+              <a:t>increase</a:t>
+            </a:r>
+          </a:p>
+          <a:p>
+            <a:pPr lvl="2"/>
+            <a:r>
+              <a:rPr lang="en-US" altLang="zh-CN" dirty="0" smtClean="0"/>
+              <a:t>…</a:t>
+            </a:r>
+          </a:p>
+          <a:p>
+            <a:pPr lvl="2"/>
+            <a:endParaRPr lang="en-US" altLang="zh-CN" dirty="0" smtClean="0"/>
+          </a:p>
+          <a:p>
+            <a:endParaRPr lang="en-US" dirty="0"/>
+          </a:p>
+          <a:p>
+            <a:endParaRPr lang="en-US" dirty="0"/>
+          </a:p>
+        </p:txBody>
+      </p:sp>
+    </p:spTree>
+    <p:extLst>
+      <p:ext uri="{BB962C8B-B14F-4D97-AF65-F5344CB8AC3E}">
+        <p14:creationId xmlns:p14="http://schemas.microsoft.com/office/powerpoint/2010/main" val="4119516941"/>
+      </p:ext>
+    </p:extLst>
+  </p:cSld>
+  <p:clrMapOvr>
+    <a:masterClrMapping/>
+  </p:clrMapOvr>
+</p:sld>
+</file>
+
+<file path=ppt/slides/slide19.xml><?xml version="1.0" encoding="utf-8"?>
+<p:sld xmlns:a="http://schemas.openxmlformats.org/drawingml/2006/main" xmlns:r="http://schemas.openxmlformats.org/officeDocument/2006/relationships" xmlns:p="http://schemas.openxmlformats.org/presentationml/2006/main">
+  <p:cSld>
+    <p:spTree>
+      <p:nvGrpSpPr>
+        <p:cNvPr id="1" name=""/>
+        <p:cNvGrpSpPr/>
+        <p:nvPr/>
+      </p:nvGrpSpPr>
+      <p:grpSpPr>
+        <a:xfrm>
+          <a:off x="0" y="0"/>
+          <a:ext cx="0" cy="0"/>
+          <a:chOff x="0" y="0"/>
+          <a:chExt cx="0" cy="0"/>
+        </a:xfrm>
+      </p:grpSpPr>
+      <p:sp>
+        <p:nvSpPr>
+          <p:cNvPr id="2" name="Title 1"/>
+          <p:cNvSpPr>
+            <a:spLocks noGrp="1"/>
+          </p:cNvSpPr>
+          <p:nvPr>
+            <p:ph type="title"/>
+          </p:nvPr>
+        </p:nvSpPr>
+        <p:spPr/>
+        <p:txBody>
+          <a:bodyPr/>
+          <a:lstStyle/>
+          <a:p>
+            <a:r>
+              <a:rPr lang="en-US" dirty="0" smtClean="0"/>
               <a:t>References</a:t>
             </a:r>
             <a:endParaRPr lang="en-US" dirty="0"/>
@@ -3792,7 +5225,9 @@
         </p:nvSpPr>
         <p:spPr/>
         <p:txBody>
-          <a:bodyPr/>
+          <a:bodyPr>
+            <a:normAutofit fontScale="85000" lnSpcReduction="10000"/>
+          </a:bodyPr>
           <a:lstStyle/>
           <a:p>
             <a:pPr marL="457200" indent="-457200">
@@ -3853,13 +5288,8 @@
             </a:pPr>
             <a:r>
               <a:rPr lang="en-US" sz="2000" dirty="0" smtClean="0"/>
-              <a:t>To</a:t>
-            </a:r>
-            <a:r>
-              <a:rPr lang="en-US" sz="2000" dirty="0" smtClean="0"/>
-              <a:t> be completed(Japan)</a:t>
-            </a:r>
-            <a:endParaRPr lang="en-US" sz="2000" dirty="0" smtClean="0"/>
+              <a:t>To be completed(Japan)</a:t>
+            </a:r>
           </a:p>
           <a:p>
             <a:pPr marL="457200" indent="-457200">
@@ -3885,6 +5315,137 @@
               </a:rPr>
               <a:t>http://ieeexplore.ieee.org/xpl/login.jsp?tp=&amp;arnumber=4450627&amp;url=http%3A%2F%2Fieeexplore.ieee.org%2Fxpls%2Fabs_all.jsp%3Farnumber%3D4450627</a:t>
             </a:r>
+            <a:endParaRPr lang="en-US" sz="2000" dirty="0" smtClean="0"/>
+          </a:p>
+          <a:p>
+            <a:pPr marL="457200" indent="-457200">
+              <a:buFont typeface="+mj-lt"/>
+              <a:buAutoNum type="arabicPeriod"/>
+            </a:pPr>
+            <a:r>
+              <a:rPr lang="en-US" sz="2000" dirty="0" smtClean="0"/>
+              <a:t>Hybrid VANET Network</a:t>
+            </a:r>
+            <a:r>
+              <a:rPr lang="en-US" sz="2000" dirty="0" smtClean="0"/>
+              <a:t>…</a:t>
+            </a:r>
+          </a:p>
+          <a:p>
+            <a:pPr marL="457200" indent="-457200">
+              <a:buFont typeface="+mj-lt"/>
+              <a:buAutoNum type="arabicPeriod"/>
+            </a:pPr>
+            <a:r>
+              <a:rPr lang="en-US" sz="2000" dirty="0" smtClean="0"/>
+              <a:t>Routing</a:t>
+            </a:r>
+            <a:r>
+              <a:rPr lang="en-US" sz="2000" dirty="0" smtClean="0"/>
+              <a:t>: Ad Hoc …</a:t>
+            </a:r>
+          </a:p>
+          <a:p>
+            <a:pPr marL="457200" indent="-457200">
+              <a:buFont typeface="+mj-lt"/>
+              <a:buAutoNum type="arabicPeriod"/>
+            </a:pPr>
+            <a:r>
+              <a:rPr lang="en-US" sz="2000" dirty="0">
+                <a:hlinkClick r:id="rId8"/>
+              </a:rPr>
+              <a:t>http://ieeexplore.ieee.org/xpl/login.jsp?tp=&amp;arnumber=1306972&amp;url=http%3A%2F%2Fieeexplore.ieee.org%2Fiel5%2F8013%2F29015%</a:t>
+            </a:r>
+            <a:r>
+              <a:rPr lang="en-US" sz="2000" dirty="0" smtClean="0">
+                <a:hlinkClick r:id="rId8"/>
+              </a:rPr>
+              <a:t>2F01306972</a:t>
+            </a:r>
+            <a:endParaRPr lang="en-US" sz="2000" dirty="0"/>
+          </a:p>
+          <a:p>
+            <a:pPr marL="457200" indent="-457200">
+              <a:buFont typeface="+mj-lt"/>
+              <a:buAutoNum type="arabicPeriod"/>
+            </a:pPr>
+            <a:r>
+              <a:rPr lang="en-US" sz="2000" dirty="0" smtClean="0"/>
+              <a:t>H</a:t>
+            </a:r>
+            <a:r>
+              <a:rPr lang="en-US" sz="2000" dirty="0"/>
+              <a:t>. Hartenstein </a:t>
+            </a:r>
+            <a:r>
+              <a:rPr lang="en-US" sz="2000" i="1" dirty="0"/>
+              <a:t>et al.</a:t>
+            </a:r>
+            <a:r>
+              <a:rPr lang="en-US" sz="2000" dirty="0"/>
+              <a:t>, “Position-Aware Ad Hoc Wireless Net- works for Inter-Vehicle Communications: The </a:t>
+            </a:r>
+            <a:r>
+              <a:rPr lang="en-US" sz="2000" dirty="0" err="1"/>
+              <a:t>FleetNet</a:t>
+            </a:r>
+            <a:r>
+              <a:rPr lang="en-US" sz="2000" dirty="0"/>
+              <a:t> Project,” </a:t>
+            </a:r>
+            <a:r>
+              <a:rPr lang="en-US" sz="2000" i="1" dirty="0" err="1"/>
+              <a:t>MobiHoc</a:t>
+            </a:r>
+            <a:r>
+              <a:rPr lang="en-US" sz="2000" i="1" dirty="0"/>
+              <a:t> ’01: Proc. 2nd ACM Int’l. </a:t>
+            </a:r>
+            <a:r>
+              <a:rPr lang="en-US" sz="2000" i="1" dirty="0" err="1"/>
+              <a:t>Symp</a:t>
+            </a:r>
+            <a:r>
+              <a:rPr lang="en-US" sz="2000" i="1" dirty="0"/>
+              <a:t>. Mobile Ad Hoc Net- working &amp; Computing</a:t>
+            </a:r>
+            <a:r>
+              <a:rPr lang="en-US" sz="2000" dirty="0"/>
+              <a:t>, New York: ACM Press, 2001, pp. </a:t>
+            </a:r>
+            <a:r>
+              <a:rPr lang="en-US" sz="2000" dirty="0" smtClean="0"/>
+              <a:t>259</a:t>
+            </a:r>
+            <a:r>
+              <a:rPr lang="en-US" sz="2000" dirty="0"/>
+              <a:t>–62</a:t>
+            </a:r>
+            <a:r>
+              <a:rPr lang="en-US" sz="2000" dirty="0" smtClean="0"/>
+              <a:t>.</a:t>
+            </a:r>
+            <a:endParaRPr lang="en-US" sz="2000" dirty="0"/>
+          </a:p>
+          <a:p>
+            <a:pPr marL="457200" indent="-457200">
+              <a:buFont typeface="+mj-lt"/>
+              <a:buAutoNum type="arabicPeriod"/>
+            </a:pPr>
+            <a:endParaRPr lang="en-US" sz="2000" dirty="0" smtClean="0"/>
+          </a:p>
+          <a:p>
+            <a:pPr marL="457200" indent="-457200">
+              <a:buFont typeface="+mj-lt"/>
+              <a:buAutoNum type="arabicPeriod"/>
+            </a:pPr>
+            <a:endParaRPr lang="en-US" sz="2000" dirty="0" smtClean="0"/>
+          </a:p>
+          <a:p>
+            <a:pPr marL="457200" indent="-457200">
+              <a:buFont typeface="+mj-lt"/>
+              <a:buAutoNum type="arabicPeriod"/>
+            </a:pPr>
             <a:endParaRPr lang="en-US" sz="2000" dirty="0" smtClean="0"/>
           </a:p>
           <a:p>
@@ -3967,11 +5528,7 @@
           <a:p>
             <a:r>
               <a:rPr lang="en-US" dirty="0" smtClean="0"/>
-              <a:t>A</a:t>
-            </a:r>
-            <a:r>
-              <a:rPr lang="en-US" dirty="0" smtClean="0"/>
-              <a:t>genda</a:t>
+              <a:t>Agenda</a:t>
             </a:r>
             <a:endParaRPr lang="en-US" dirty="0"/>
           </a:p>
@@ -4019,20 +5576,6 @@
             <a:r>
               <a:rPr lang="en-US" altLang="zh-CN" dirty="0" smtClean="0"/>
               <a:t>otivation</a:t>
-            </a:r>
-          </a:p>
-          <a:p>
-            <a:r>
-              <a:rPr lang="en-US" altLang="zh-CN" dirty="0" smtClean="0"/>
-              <a:t>Basic</a:t>
-            </a:r>
-            <a:r>
-              <a:rPr lang="zh-CN" altLang="en-US" dirty="0" smtClean="0"/>
-              <a:t> </a:t>
-            </a:r>
-            <a:r>
-              <a:rPr lang="en-US" altLang="zh-CN" dirty="0" smtClean="0"/>
-              <a:t>Concepts</a:t>
             </a:r>
           </a:p>
           <a:p>
@@ -4116,6 +5659,488 @@
     <p:extLst>
       <p:ext uri="{BB962C8B-B14F-4D97-AF65-F5344CB8AC3E}">
         <p14:creationId xmlns:p14="http://schemas.microsoft.com/office/powerpoint/2010/main" val="463302232"/>
+      </p:ext>
+    </p:extLst>
+  </p:cSld>
+  <p:clrMapOvr>
+    <a:masterClrMapping/>
+  </p:clrMapOvr>
+</p:sld>
+</file>
+
+<file path=ppt/slides/slide20.xml><?xml version="1.0" encoding="utf-8"?>
+<p:sld xmlns:a="http://schemas.openxmlformats.org/drawingml/2006/main" xmlns:r="http://schemas.openxmlformats.org/officeDocument/2006/relationships" xmlns:p="http://schemas.openxmlformats.org/presentationml/2006/main">
+  <p:cSld>
+    <p:spTree>
+      <p:nvGrpSpPr>
+        <p:cNvPr id="1" name=""/>
+        <p:cNvGrpSpPr/>
+        <p:nvPr/>
+      </p:nvGrpSpPr>
+      <p:grpSpPr>
+        <a:xfrm>
+          <a:off x="0" y="0"/>
+          <a:ext cx="0" cy="0"/>
+          <a:chOff x="0" y="0"/>
+          <a:chExt cx="0" cy="0"/>
+        </a:xfrm>
+      </p:grpSpPr>
+      <p:sp>
+        <p:nvSpPr>
+          <p:cNvPr id="2" name="Title 1"/>
+          <p:cNvSpPr>
+            <a:spLocks noGrp="1"/>
+          </p:cNvSpPr>
+          <p:nvPr>
+            <p:ph type="title"/>
+          </p:nvPr>
+        </p:nvSpPr>
+        <p:spPr/>
+        <p:txBody>
+          <a:bodyPr/>
+          <a:lstStyle/>
+          <a:p>
+            <a:r>
+              <a:rPr lang="en-US" dirty="0" smtClean="0"/>
+              <a:t>References</a:t>
+            </a:r>
+            <a:endParaRPr lang="en-US" dirty="0"/>
+          </a:p>
+        </p:txBody>
+      </p:sp>
+      <p:sp>
+        <p:nvSpPr>
+          <p:cNvPr id="3" name="Content Placeholder 2"/>
+          <p:cNvSpPr>
+            <a:spLocks noGrp="1"/>
+          </p:cNvSpPr>
+          <p:nvPr>
+            <p:ph idx="1"/>
+          </p:nvPr>
+        </p:nvSpPr>
+        <p:spPr/>
+        <p:txBody>
+          <a:bodyPr/>
+          <a:lstStyle/>
+          <a:p>
+            <a:pPr marL="514350" indent="-514350">
+              <a:buFont typeface="+mj-lt"/>
+              <a:buAutoNum type="arabicPeriod" startAt="12"/>
+            </a:pPr>
+            <a:r>
+              <a:rPr lang="en-US" altLang="zh-CN" dirty="0" smtClean="0"/>
+              <a:t>D</a:t>
+            </a:r>
+          </a:p>
+          <a:p>
+            <a:pPr marL="514350" indent="-514350">
+              <a:buFont typeface="+mj-lt"/>
+              <a:buAutoNum type="arabicPeriod" startAt="12"/>
+            </a:pPr>
+            <a:r>
+              <a:rPr lang="en-US" altLang="zh-CN" dirty="0" smtClean="0"/>
+              <a:t>D</a:t>
+            </a:r>
+          </a:p>
+          <a:p>
+            <a:pPr marL="0" indent="0">
+              <a:buNone/>
+            </a:pPr>
+            <a:endParaRPr lang="en-US" altLang="zh-CN" dirty="0" smtClean="0"/>
+          </a:p>
+        </p:txBody>
+      </p:sp>
+    </p:spTree>
+    <p:extLst>
+      <p:ext uri="{BB962C8B-B14F-4D97-AF65-F5344CB8AC3E}">
+        <p14:creationId xmlns:p14="http://schemas.microsoft.com/office/powerpoint/2010/main" val="1071029897"/>
+      </p:ext>
+    </p:extLst>
+  </p:cSld>
+  <p:clrMapOvr>
+    <a:masterClrMapping/>
+  </p:clrMapOvr>
+</p:sld>
+</file>
+
+<file path=ppt/slides/slide21.xml><?xml version="1.0" encoding="utf-8"?>
+<p:sld xmlns:a="http://schemas.openxmlformats.org/drawingml/2006/main" xmlns:r="http://schemas.openxmlformats.org/officeDocument/2006/relationships" xmlns:p="http://schemas.openxmlformats.org/presentationml/2006/main">
+  <p:cSld>
+    <p:spTree>
+      <p:nvGrpSpPr>
+        <p:cNvPr id="1" name=""/>
+        <p:cNvGrpSpPr/>
+        <p:nvPr/>
+      </p:nvGrpSpPr>
+      <p:grpSpPr>
+        <a:xfrm>
+          <a:off x="0" y="0"/>
+          <a:ext cx="0" cy="0"/>
+          <a:chOff x="0" y="0"/>
+          <a:chExt cx="0" cy="0"/>
+        </a:xfrm>
+      </p:grpSpPr>
+      <p:grpSp>
+        <p:nvGrpSpPr>
+          <p:cNvPr id="13" name="Group 12"/>
+          <p:cNvGrpSpPr/>
+          <p:nvPr/>
+        </p:nvGrpSpPr>
+        <p:grpSpPr>
+          <a:xfrm>
+            <a:off x="2209113" y="1564239"/>
+            <a:ext cx="4801840" cy="3333911"/>
+            <a:chOff x="873063" y="1852173"/>
+            <a:chExt cx="5053176" cy="3360370"/>
+          </a:xfrm>
+        </p:grpSpPr>
+        <p:sp>
+          <p:nvSpPr>
+            <p:cNvPr id="4" name="Rectangle 3"/>
+            <p:cNvSpPr/>
+            <p:nvPr/>
+          </p:nvSpPr>
+          <p:spPr>
+            <a:xfrm>
+              <a:off x="873063" y="1852173"/>
+              <a:ext cx="5053176" cy="3360370"/>
+            </a:xfrm>
+            <a:prstGeom prst="rect">
+              <a:avLst/>
+            </a:prstGeom>
+          </p:spPr>
+          <p:style>
+            <a:lnRef idx="1">
+              <a:schemeClr val="dk1"/>
+            </a:lnRef>
+            <a:fillRef idx="2">
+              <a:schemeClr val="dk1"/>
+            </a:fillRef>
+            <a:effectRef idx="1">
+              <a:schemeClr val="dk1"/>
+            </a:effectRef>
+            <a:fontRef idx="minor">
+              <a:schemeClr val="dk1"/>
+            </a:fontRef>
+          </p:style>
+          <p:txBody>
+            <a:bodyPr rtlCol="0" anchor="ctr"/>
+            <a:lstStyle/>
+            <a:p>
+              <a:pPr algn="ctr"/>
+              <a:endParaRPr lang="en-US"/>
+            </a:p>
+          </p:txBody>
+        </p:sp>
+        <p:sp>
+          <p:nvSpPr>
+            <p:cNvPr id="5" name="Rectangle 4"/>
+            <p:cNvSpPr/>
+            <p:nvPr/>
+          </p:nvSpPr>
+          <p:spPr>
+            <a:xfrm>
+              <a:off x="1203767" y="1971241"/>
+              <a:ext cx="476216" cy="2844405"/>
+            </a:xfrm>
+            <a:prstGeom prst="rect">
+              <a:avLst/>
+            </a:prstGeom>
+          </p:spPr>
+          <p:style>
+            <a:lnRef idx="1">
+              <a:schemeClr val="accent1"/>
+            </a:lnRef>
+            <a:fillRef idx="2">
+              <a:schemeClr val="accent1"/>
+            </a:fillRef>
+            <a:effectRef idx="1">
+              <a:schemeClr val="accent1"/>
+            </a:effectRef>
+            <a:fontRef idx="minor">
+              <a:schemeClr val="dk1"/>
+            </a:fontRef>
+          </p:style>
+          <p:txBody>
+            <a:bodyPr rtlCol="0" anchor="ctr"/>
+            <a:lstStyle/>
+            <a:p>
+              <a:pPr algn="ctr"/>
+              <a:endParaRPr lang="en-US"/>
+            </a:p>
+          </p:txBody>
+        </p:sp>
+        <p:sp>
+          <p:nvSpPr>
+            <p:cNvPr id="6" name="Rectangle 5"/>
+            <p:cNvSpPr/>
+            <p:nvPr/>
+          </p:nvSpPr>
+          <p:spPr>
+            <a:xfrm>
+              <a:off x="1679983" y="1971241"/>
+              <a:ext cx="1825493" cy="568881"/>
+            </a:xfrm>
+            <a:prstGeom prst="rect">
+              <a:avLst/>
+            </a:prstGeom>
+          </p:spPr>
+          <p:style>
+            <a:lnRef idx="1">
+              <a:schemeClr val="accent1"/>
+            </a:lnRef>
+            <a:fillRef idx="2">
+              <a:schemeClr val="accent1"/>
+            </a:fillRef>
+            <a:effectRef idx="1">
+              <a:schemeClr val="accent1"/>
+            </a:effectRef>
+            <a:fontRef idx="minor">
+              <a:schemeClr val="dk1"/>
+            </a:fontRef>
+          </p:style>
+          <p:txBody>
+            <a:bodyPr rtlCol="0" anchor="ctr"/>
+            <a:lstStyle/>
+            <a:p>
+              <a:pPr algn="ctr"/>
+              <a:endParaRPr lang="en-US" dirty="0"/>
+            </a:p>
+          </p:txBody>
+        </p:sp>
+        <p:sp>
+          <p:nvSpPr>
+            <p:cNvPr id="7" name="Rectangle 6"/>
+            <p:cNvSpPr/>
+            <p:nvPr/>
+          </p:nvSpPr>
+          <p:spPr>
+            <a:xfrm>
+              <a:off x="1679983" y="2540122"/>
+              <a:ext cx="1825493" cy="568881"/>
+            </a:xfrm>
+            <a:prstGeom prst="rect">
+              <a:avLst/>
+            </a:prstGeom>
+          </p:spPr>
+          <p:style>
+            <a:lnRef idx="1">
+              <a:schemeClr val="accent1"/>
+            </a:lnRef>
+            <a:fillRef idx="2">
+              <a:schemeClr val="accent1"/>
+            </a:fillRef>
+            <a:effectRef idx="1">
+              <a:schemeClr val="accent1"/>
+            </a:effectRef>
+            <a:fontRef idx="minor">
+              <a:schemeClr val="dk1"/>
+            </a:fontRef>
+          </p:style>
+          <p:txBody>
+            <a:bodyPr rtlCol="0" anchor="ctr"/>
+            <a:lstStyle/>
+            <a:p>
+              <a:pPr algn="ctr"/>
+              <a:endParaRPr lang="en-US"/>
+            </a:p>
+          </p:txBody>
+        </p:sp>
+        <p:sp>
+          <p:nvSpPr>
+            <p:cNvPr id="8" name="Rectangle 7"/>
+            <p:cNvSpPr/>
+            <p:nvPr/>
+          </p:nvSpPr>
+          <p:spPr>
+            <a:xfrm>
+              <a:off x="1679983" y="3109003"/>
+              <a:ext cx="1825493" cy="568881"/>
+            </a:xfrm>
+            <a:prstGeom prst="rect">
+              <a:avLst/>
+            </a:prstGeom>
+          </p:spPr>
+          <p:style>
+            <a:lnRef idx="1">
+              <a:schemeClr val="accent1"/>
+            </a:lnRef>
+            <a:fillRef idx="2">
+              <a:schemeClr val="accent1"/>
+            </a:fillRef>
+            <a:effectRef idx="1">
+              <a:schemeClr val="accent1"/>
+            </a:effectRef>
+            <a:fontRef idx="minor">
+              <a:schemeClr val="dk1"/>
+            </a:fontRef>
+          </p:style>
+          <p:txBody>
+            <a:bodyPr rtlCol="0" anchor="ctr"/>
+            <a:lstStyle/>
+            <a:p>
+              <a:pPr algn="ctr"/>
+              <a:endParaRPr lang="en-US"/>
+            </a:p>
+          </p:txBody>
+        </p:sp>
+        <p:sp>
+          <p:nvSpPr>
+            <p:cNvPr id="9" name="Rectangle 8"/>
+            <p:cNvSpPr/>
+            <p:nvPr/>
+          </p:nvSpPr>
+          <p:spPr>
+            <a:xfrm>
+              <a:off x="1679983" y="3677884"/>
+              <a:ext cx="1825493" cy="568881"/>
+            </a:xfrm>
+            <a:prstGeom prst="rect">
+              <a:avLst/>
+            </a:prstGeom>
+          </p:spPr>
+          <p:style>
+            <a:lnRef idx="1">
+              <a:schemeClr val="accent1"/>
+            </a:lnRef>
+            <a:fillRef idx="2">
+              <a:schemeClr val="accent1"/>
+            </a:fillRef>
+            <a:effectRef idx="1">
+              <a:schemeClr val="accent1"/>
+            </a:effectRef>
+            <a:fontRef idx="minor">
+              <a:schemeClr val="dk1"/>
+            </a:fontRef>
+          </p:style>
+          <p:txBody>
+            <a:bodyPr rtlCol="0" anchor="ctr"/>
+            <a:lstStyle/>
+            <a:p>
+              <a:pPr algn="ctr"/>
+              <a:endParaRPr lang="en-US"/>
+            </a:p>
+          </p:txBody>
+        </p:sp>
+        <p:sp>
+          <p:nvSpPr>
+            <p:cNvPr id="10" name="Rectangle 9"/>
+            <p:cNvSpPr/>
+            <p:nvPr/>
+          </p:nvSpPr>
+          <p:spPr>
+            <a:xfrm>
+              <a:off x="1679983" y="4246765"/>
+              <a:ext cx="1825493" cy="568881"/>
+            </a:xfrm>
+            <a:prstGeom prst="rect">
+              <a:avLst/>
+            </a:prstGeom>
+          </p:spPr>
+          <p:style>
+            <a:lnRef idx="1">
+              <a:schemeClr val="accent1"/>
+            </a:lnRef>
+            <a:fillRef idx="2">
+              <a:schemeClr val="accent1"/>
+            </a:fillRef>
+            <a:effectRef idx="1">
+              <a:schemeClr val="accent1"/>
+            </a:effectRef>
+            <a:fontRef idx="minor">
+              <a:schemeClr val="dk1"/>
+            </a:fontRef>
+          </p:style>
+          <p:txBody>
+            <a:bodyPr rtlCol="0" anchor="ctr"/>
+            <a:lstStyle/>
+            <a:p>
+              <a:pPr algn="ctr"/>
+              <a:endParaRPr lang="en-US"/>
+            </a:p>
+          </p:txBody>
+        </p:sp>
+        <p:sp>
+          <p:nvSpPr>
+            <p:cNvPr id="11" name="Rectangle 10"/>
+            <p:cNvSpPr/>
+            <p:nvPr/>
+          </p:nvSpPr>
+          <p:spPr>
+            <a:xfrm>
+              <a:off x="3505476" y="2540122"/>
+              <a:ext cx="1825493" cy="568881"/>
+            </a:xfrm>
+            <a:prstGeom prst="rect">
+              <a:avLst/>
+            </a:prstGeom>
+          </p:spPr>
+          <p:style>
+            <a:lnRef idx="1">
+              <a:schemeClr val="accent1"/>
+            </a:lnRef>
+            <a:fillRef idx="2">
+              <a:schemeClr val="accent1"/>
+            </a:fillRef>
+            <a:effectRef idx="1">
+              <a:schemeClr val="accent1"/>
+            </a:effectRef>
+            <a:fontRef idx="minor">
+              <a:schemeClr val="dk1"/>
+            </a:fontRef>
+          </p:style>
+          <p:txBody>
+            <a:bodyPr rtlCol="0" anchor="ctr"/>
+            <a:lstStyle/>
+            <a:p>
+              <a:pPr algn="ctr"/>
+              <a:endParaRPr lang="en-US"/>
+            </a:p>
+          </p:txBody>
+        </p:sp>
+        <p:sp>
+          <p:nvSpPr>
+            <p:cNvPr id="12" name="TextBox 11"/>
+            <p:cNvSpPr txBox="1"/>
+            <p:nvPr/>
+          </p:nvSpPr>
+          <p:spPr>
+            <a:xfrm>
+              <a:off x="1218318" y="2489603"/>
+              <a:ext cx="461665" cy="1977464"/>
+            </a:xfrm>
+            <a:prstGeom prst="rect">
+              <a:avLst/>
+            </a:prstGeom>
+            <a:noFill/>
+          </p:spPr>
+          <p:txBody>
+            <a:bodyPr vert="vert270" wrap="none" rtlCol="0">
+              <a:spAutoFit/>
+            </a:bodyPr>
+            <a:lstStyle/>
+            <a:p>
+              <a:r>
+                <a:rPr lang="en-US" dirty="0" smtClean="0"/>
+                <a:t>WAVE</a:t>
+              </a:r>
+              <a:r>
+                <a:rPr lang="zh-CN" altLang="en-US" dirty="0" smtClean="0"/>
+                <a:t> </a:t>
+              </a:r>
+              <a:r>
+                <a:rPr lang="en-US" altLang="zh-CN" dirty="0" smtClean="0"/>
+                <a:t>management</a:t>
+              </a:r>
+              <a:endParaRPr lang="en-US" dirty="0"/>
+            </a:p>
+          </p:txBody>
+        </p:sp>
+      </p:grpSp>
+    </p:spTree>
+    <p:extLst>
+      <p:ext uri="{BB962C8B-B14F-4D97-AF65-F5344CB8AC3E}">
+        <p14:creationId xmlns:p14="http://schemas.microsoft.com/office/powerpoint/2010/main" val="1059162490"/>
       </p:ext>
     </p:extLst>
   </p:cSld>
@@ -4159,11 +6184,7 @@
           <a:p>
             <a:r>
               <a:rPr lang="en-US" dirty="0" smtClean="0"/>
-              <a:t>Introduction</a:t>
-            </a:r>
-            <a:r>
-              <a:rPr lang="en-US" dirty="0" smtClean="0"/>
-              <a:t> &amp; Motivation</a:t>
+              <a:t>Introduction &amp; Motivation</a:t>
             </a:r>
             <a:endParaRPr lang="en-US" dirty="0"/>
           </a:p>
@@ -4186,23 +6207,72 @@
           <a:p>
             <a:r>
               <a:rPr lang="en-US" dirty="0" smtClean="0"/>
-              <a:t>To</a:t>
-            </a:r>
-            <a:r>
-              <a:rPr lang="zh-CN" altLang="en-US" dirty="0" smtClean="0"/>
-              <a:t> </a:t>
-            </a:r>
-            <a:r>
-              <a:rPr lang="en-US" altLang="zh-CN" dirty="0" smtClean="0"/>
-              <a:t>be</a:t>
-            </a:r>
-            <a:r>
-              <a:rPr lang="zh-CN" altLang="en-US" dirty="0" smtClean="0"/>
-              <a:t> </a:t>
-            </a:r>
-            <a:r>
-              <a:rPr lang="en-US" altLang="zh-CN" dirty="0" smtClean="0"/>
-              <a:t>completed</a:t>
+              <a:t>Basic concepts</a:t>
+            </a:r>
+          </a:p>
+          <a:p>
+            <a:pPr lvl="1"/>
+            <a:r>
+              <a:rPr lang="en-US" dirty="0" smtClean="0"/>
+              <a:t>An Variation of MANET </a:t>
+            </a:r>
+          </a:p>
+          <a:p>
+            <a:pPr lvl="1"/>
+            <a:r>
+              <a:rPr lang="en-US" dirty="0" smtClean="0"/>
+              <a:t>Known as IVC or </a:t>
+            </a:r>
+            <a:r>
+              <a:rPr lang="en-US" dirty="0" smtClean="0"/>
+              <a:t>V2V</a:t>
+            </a:r>
+          </a:p>
+          <a:p>
+            <a:pPr lvl="1"/>
+            <a:r>
+              <a:rPr lang="en-US" dirty="0" smtClean="0"/>
+              <a:t>Key</a:t>
+            </a:r>
+            <a:r>
+              <a:rPr lang="zh-CN" altLang="en-US" dirty="0" smtClean="0"/>
+              <a:t> </a:t>
+            </a:r>
+            <a:r>
+              <a:rPr lang="en-US" altLang="zh-CN" dirty="0" smtClean="0"/>
+              <a:t>Components</a:t>
+            </a:r>
+            <a:r>
+              <a:rPr lang="zh-CN" altLang="en-US" dirty="0" smtClean="0"/>
+              <a:t> </a:t>
+            </a:r>
+            <a:r>
+              <a:rPr lang="en-US" altLang="zh-CN" dirty="0" smtClean="0"/>
+              <a:t>of</a:t>
+            </a:r>
+            <a:r>
+              <a:rPr lang="zh-CN" altLang="en-US" dirty="0" smtClean="0"/>
+              <a:t> </a:t>
+            </a:r>
+            <a:r>
+              <a:rPr lang="en-US" altLang="zh-CN" dirty="0" smtClean="0"/>
+              <a:t>Intelligent</a:t>
+            </a:r>
+            <a:r>
+              <a:rPr lang="zh-CN" altLang="en-US" dirty="0" smtClean="0"/>
+              <a:t> </a:t>
+            </a:r>
+            <a:r>
+              <a:rPr lang="en-US" altLang="zh-CN" dirty="0" smtClean="0"/>
+              <a:t>Transportation</a:t>
+            </a:r>
+            <a:r>
+              <a:rPr lang="zh-CN" altLang="en-US" dirty="0" smtClean="0"/>
+              <a:t> </a:t>
+            </a:r>
+            <a:r>
+              <a:rPr lang="en-US" altLang="zh-CN" dirty="0" smtClean="0"/>
+              <a:t>System(ITS)</a:t>
             </a:r>
             <a:endParaRPr lang="en-US" dirty="0"/>
           </a:p>
@@ -4211,7 +6281,7 @@
     </p:spTree>
     <p:extLst>
       <p:ext uri="{BB962C8B-B14F-4D97-AF65-F5344CB8AC3E}">
-        <p14:creationId xmlns:p14="http://schemas.microsoft.com/office/powerpoint/2010/main" val="252416535"/>
+        <p14:creationId xmlns:p14="http://schemas.microsoft.com/office/powerpoint/2010/main" val="39027125"/>
       </p:ext>
     </p:extLst>
   </p:cSld>
@@ -4255,11 +6325,7 @@
           <a:p>
             <a:r>
               <a:rPr lang="en-US" dirty="0" smtClean="0"/>
-              <a:t>Introduction</a:t>
-            </a:r>
-            <a:r>
-              <a:rPr lang="en-US" dirty="0" smtClean="0"/>
-              <a:t> &amp; Motivation</a:t>
+              <a:t>Introduction &amp; Motivation</a:t>
             </a:r>
             <a:endParaRPr lang="en-US" dirty="0"/>
           </a:p>
@@ -4277,33 +6343,80 @@
         </p:nvSpPr>
         <p:spPr/>
         <p:txBody>
-          <a:bodyPr/>
-          <a:lstStyle/>
-          <a:p>
-            <a:r>
-              <a:rPr lang="en-US" dirty="0" smtClean="0"/>
-              <a:t>Motivation</a:t>
+          <a:bodyPr>
+            <a:normAutofit fontScale="85000" lnSpcReduction="20000"/>
+          </a:bodyPr>
+          <a:lstStyle/>
+          <a:p>
+            <a:r>
+              <a:rPr lang="en-US" dirty="0" smtClean="0"/>
+              <a:t>Similarities with MANET</a:t>
             </a:r>
           </a:p>
           <a:p>
             <a:pPr lvl="1"/>
             <a:r>
               <a:rPr lang="en-US" dirty="0" smtClean="0"/>
-              <a:t>Safety</a:t>
+              <a:t>No fixed Infrastructure</a:t>
             </a:r>
           </a:p>
           <a:p>
             <a:pPr lvl="1"/>
             <a:r>
               <a:rPr lang="en-US" dirty="0" smtClean="0"/>
-              <a:t>Mobility</a:t>
+              <a:t>Self-organization/management </a:t>
             </a:r>
           </a:p>
           <a:p>
             <a:pPr lvl="1"/>
-            <a:r>
-              <a:rPr lang="en-US" dirty="0" smtClean="0"/>
-              <a:t>Environment</a:t>
+            <a:endParaRPr lang="en-US" dirty="0" smtClean="0"/>
+          </a:p>
+          <a:p>
+            <a:r>
+              <a:rPr lang="en-US" dirty="0" smtClean="0"/>
+              <a:t>VANET Features</a:t>
+            </a:r>
+          </a:p>
+          <a:p>
+            <a:pPr lvl="1"/>
+            <a:r>
+              <a:rPr lang="en-US" dirty="0" smtClean="0"/>
+              <a:t>Highly Dynamic Topology</a:t>
+            </a:r>
+          </a:p>
+          <a:p>
+            <a:pPr lvl="1"/>
+            <a:r>
+              <a:rPr lang="en-US" dirty="0" smtClean="0"/>
+              <a:t> Frequent Disconnection</a:t>
+            </a:r>
+          </a:p>
+          <a:p>
+            <a:pPr lvl="1"/>
+            <a:r>
+              <a:rPr lang="en-US" dirty="0" smtClean="0"/>
+              <a:t>Geographical type of communication</a:t>
+            </a:r>
+          </a:p>
+          <a:p>
+            <a:pPr lvl="1"/>
+            <a:r>
+              <a:rPr lang="en-US" dirty="0" smtClean="0"/>
+              <a:t>Hard Delay Constraints</a:t>
+            </a:r>
+          </a:p>
+          <a:p>
+            <a:pPr lvl="1"/>
+            <a:r>
+              <a:rPr lang="en-US" dirty="0" smtClean="0"/>
+              <a:t>Sufficient Energy and Computing Resource</a:t>
+            </a:r>
+          </a:p>
+          <a:p>
+            <a:pPr lvl="1"/>
+            <a:r>
+              <a:rPr lang="en-US" dirty="0" smtClean="0"/>
+              <a:t>Interaction with on-board sensors</a:t>
             </a:r>
           </a:p>
         </p:txBody>
@@ -4311,7 +6424,7 @@
     </p:spTree>
     <p:extLst>
       <p:ext uri="{BB962C8B-B14F-4D97-AF65-F5344CB8AC3E}">
-        <p14:creationId xmlns:p14="http://schemas.microsoft.com/office/powerpoint/2010/main" val="3835429272"/>
+        <p14:creationId xmlns:p14="http://schemas.microsoft.com/office/powerpoint/2010/main" val="252416535"/>
       </p:ext>
     </p:extLst>
   </p:cSld>
@@ -4355,15 +6468,7 @@
           <a:p>
             <a:r>
               <a:rPr lang="en-US" dirty="0" smtClean="0"/>
-              <a:t>Basic</a:t>
-            </a:r>
-            <a:r>
-              <a:rPr lang="zh-CN" altLang="en-US" dirty="0" smtClean="0"/>
-              <a:t> </a:t>
-            </a:r>
-            <a:r>
-              <a:rPr lang="en-US" altLang="zh-CN" dirty="0" smtClean="0"/>
-              <a:t>Concepts</a:t>
+              <a:t>Introduction &amp; Motivation</a:t>
             </a:r>
             <a:endParaRPr lang="en-US" dirty="0"/>
           </a:p>
@@ -4386,32 +6491,36 @@
           <a:p>
             <a:r>
               <a:rPr lang="en-US" dirty="0" smtClean="0"/>
-              <a:t>To</a:t>
-            </a:r>
-            <a:r>
-              <a:rPr lang="zh-CN" altLang="en-US" dirty="0" smtClean="0"/>
-              <a:t> </a:t>
-            </a:r>
-            <a:r>
-              <a:rPr lang="en-US" altLang="zh-CN" dirty="0" smtClean="0"/>
-              <a:t>be</a:t>
-            </a:r>
-            <a:r>
-              <a:rPr lang="zh-CN" altLang="en-US" dirty="0" smtClean="0"/>
-              <a:t> </a:t>
-            </a:r>
-            <a:r>
-              <a:rPr lang="en-US" altLang="zh-CN" dirty="0" smtClean="0"/>
-              <a:t>completed</a:t>
-            </a:r>
-            <a:endParaRPr lang="en-US" dirty="0"/>
+              <a:t>Motivation</a:t>
+            </a:r>
+          </a:p>
+          <a:p>
+            <a:pPr lvl="1"/>
+            <a:r>
+              <a:rPr lang="en-US" dirty="0" smtClean="0"/>
+              <a:t>Safety</a:t>
+            </a:r>
+          </a:p>
+          <a:p>
+            <a:pPr lvl="1"/>
+            <a:r>
+              <a:rPr lang="en-US" dirty="0" smtClean="0"/>
+              <a:t>Mobility</a:t>
+            </a:r>
+          </a:p>
+          <a:p>
+            <a:pPr lvl="1"/>
+            <a:r>
+              <a:rPr lang="en-US" dirty="0" smtClean="0"/>
+              <a:t>Environment</a:t>
+            </a:r>
           </a:p>
         </p:txBody>
       </p:sp>
     </p:spTree>
     <p:extLst>
       <p:ext uri="{BB962C8B-B14F-4D97-AF65-F5344CB8AC3E}">
-        <p14:creationId xmlns:p14="http://schemas.microsoft.com/office/powerpoint/2010/main" val="831497199"/>
+        <p14:creationId xmlns:p14="http://schemas.microsoft.com/office/powerpoint/2010/main" val="3835429272"/>
       </p:ext>
     </p:extLst>
   </p:cSld>
@@ -4493,30 +6602,12 @@
           <a:lstStyle/>
           <a:p>
             <a:r>
-              <a:rPr lang="en-US" dirty="0" smtClean="0"/>
-              <a:t>To</a:t>
-            </a:r>
-            <a:r>
-              <a:rPr lang="zh-CN" altLang="en-US" dirty="0" smtClean="0"/>
-              <a:t> </a:t>
-            </a:r>
-            <a:r>
-              <a:rPr lang="en-US" altLang="zh-CN" dirty="0" smtClean="0"/>
-              <a:t>be</a:t>
-            </a:r>
-            <a:r>
-              <a:rPr lang="zh-CN" altLang="en-US" dirty="0" smtClean="0"/>
-              <a:t> </a:t>
-            </a:r>
-            <a:r>
-              <a:rPr lang="en-US" altLang="zh-CN" dirty="0" smtClean="0"/>
-              <a:t>completed</a:t>
-            </a:r>
-          </a:p>
-          <a:p>
-            <a:r>
-              <a:rPr lang="en-US" altLang="zh-CN" dirty="0" smtClean="0"/>
-              <a:t>(Consortium logos</a:t>
+              <a:rPr lang="en-US" altLang="zh-CN" dirty="0" smtClean="0"/>
+              <a:t>(</a:t>
+            </a:r>
+            <a:r>
+              <a:rPr lang="en-US" altLang="zh-CN" dirty="0" smtClean="0"/>
+              <a:t>Consortium logos</a:t>
             </a:r>
             <a:r>
               <a:rPr lang="zh-CN" altLang="en-US" dirty="0" smtClean="0"/>
@@ -4612,7 +6703,7 @@
         <p:spPr/>
         <p:txBody>
           <a:bodyPr>
-            <a:normAutofit fontScale="85000" lnSpcReduction="20000"/>
+            <a:normAutofit fontScale="92500" lnSpcReduction="20000"/>
           </a:bodyPr>
           <a:lstStyle/>
           <a:p>
@@ -4633,11 +6724,7 @@
             </a:r>
             <a:r>
               <a:rPr lang="en-US" dirty="0" smtClean="0"/>
-              <a:t>, </a:t>
-            </a:r>
-            <a:r>
-              <a:rPr lang="en-US" dirty="0" smtClean="0"/>
-              <a:t>ITSA</a:t>
+              <a:t>, ITSA</a:t>
             </a:r>
             <a:r>
               <a:rPr lang="zh-CN" altLang="en-US" dirty="0" smtClean="0"/>
@@ -4799,34 +6886,11 @@
             </a:r>
           </a:p>
           <a:p>
-            <a:pPr lvl="1"/>
-            <a:r>
-              <a:rPr lang="en-US" altLang="zh-CN" dirty="0" smtClean="0"/>
-              <a:t>802.11</a:t>
-            </a:r>
-            <a:r>
-              <a:rPr lang="zh-CN" altLang="en-US" dirty="0" smtClean="0"/>
-              <a:t> </a:t>
-            </a:r>
-            <a:r>
-              <a:rPr lang="en-US" altLang="zh-CN" dirty="0" smtClean="0"/>
-              <a:t>on</a:t>
-            </a:r>
-            <a:r>
-              <a:rPr lang="zh-CN" altLang="en-US" dirty="0" smtClean="0"/>
-              <a:t> </a:t>
-            </a:r>
-            <a:r>
-              <a:rPr lang="en-US" altLang="zh-CN" dirty="0" smtClean="0"/>
-              <a:t>760-MHz-Band</a:t>
+            <a:r>
+              <a:rPr lang="en-US" dirty="0" smtClean="0"/>
+              <a:t>China</a:t>
             </a:r>
             <a:endParaRPr lang="en-US" dirty="0" smtClean="0"/>
-          </a:p>
-          <a:p>
-            <a:r>
-              <a:rPr lang="en-US" dirty="0" smtClean="0"/>
-              <a:t>China</a:t>
-            </a:r>
           </a:p>
           <a:p>
             <a:pPr lvl="1"/>
@@ -4923,7 +6987,7 @@
         <p:spPr/>
         <p:txBody>
           <a:bodyPr>
-            <a:normAutofit/>
+            <a:normAutofit fontScale="92500" lnSpcReduction="20000"/>
           </a:bodyPr>
           <a:lstStyle/>
           <a:p>
@@ -4936,31 +7000,85 @@
               <a:t> </a:t>
             </a:r>
             <a:r>
-              <a:rPr lang="en-US" dirty="0" smtClean="0"/>
-              <a:t>Networking</a:t>
+              <a:rPr lang="en-US" altLang="zh-CN" dirty="0" smtClean="0"/>
+              <a:t>Medium</a:t>
+            </a:r>
+            <a:r>
+              <a:rPr lang="zh-CN" altLang="en-US" dirty="0" smtClean="0"/>
+              <a:t> </a:t>
+            </a:r>
+            <a:r>
+              <a:rPr lang="en-US" altLang="zh-CN" dirty="0" smtClean="0"/>
+              <a:t>Access</a:t>
             </a:r>
           </a:p>
           <a:p>
             <a:pPr lvl="1"/>
             <a:r>
               <a:rPr lang="en-US" dirty="0" smtClean="0"/>
-              <a:t>Data Dissemination</a:t>
-            </a:r>
-            <a:r>
-              <a:rPr lang="zh-CN" altLang="zh-CN" dirty="0"/>
-              <a:t> </a:t>
-            </a:r>
-            <a:r>
-              <a:rPr lang="en-US" altLang="zh-CN" dirty="0" smtClean="0"/>
-              <a:t>&amp;</a:t>
-            </a:r>
-            <a:r>
-              <a:rPr lang="zh-CN" altLang="en-US" dirty="0" smtClean="0"/>
-              <a:t> </a:t>
-            </a:r>
-            <a:r>
-              <a:rPr lang="en-US" altLang="zh-CN" dirty="0" smtClean="0"/>
-              <a:t>Sharing</a:t>
+              <a:t>PHY</a:t>
+            </a:r>
+            <a:r>
+              <a:rPr lang="en-US" altLang="zh-CN" dirty="0" smtClean="0"/>
+              <a:t>/</a:t>
+            </a:r>
+            <a:r>
+              <a:rPr lang="en-US" dirty="0" smtClean="0"/>
+              <a:t>MAC Layer</a:t>
+            </a:r>
+          </a:p>
+          <a:p>
+            <a:pPr lvl="1"/>
+            <a:r>
+              <a:rPr lang="en-US" dirty="0" smtClean="0"/>
+              <a:t>Network</a:t>
+            </a:r>
+            <a:r>
+              <a:rPr lang="zh-CN" altLang="en-US" dirty="0" smtClean="0"/>
+              <a:t> </a:t>
+            </a:r>
+            <a:r>
+              <a:rPr lang="en-US" dirty="0" smtClean="0"/>
+              <a:t>Architecture</a:t>
+            </a:r>
+            <a:endParaRPr lang="en-US" dirty="0" smtClean="0"/>
+          </a:p>
+          <a:p>
+            <a:r>
+              <a:rPr lang="en-US" dirty="0" smtClean="0"/>
+              <a:t>VANET</a:t>
+            </a:r>
+            <a:r>
+              <a:rPr lang="zh-CN" altLang="en-US" dirty="0" smtClean="0"/>
+              <a:t> </a:t>
+            </a:r>
+            <a:r>
+              <a:rPr lang="en-US" altLang="zh-CN" dirty="0" smtClean="0"/>
+              <a:t>Data</a:t>
+            </a:r>
+            <a:r>
+              <a:rPr lang="zh-CN" altLang="en-US" dirty="0" smtClean="0"/>
+              <a:t> </a:t>
+            </a:r>
+            <a:r>
+              <a:rPr lang="en-US" altLang="zh-CN" dirty="0" smtClean="0"/>
+              <a:t>Dissemination</a:t>
+            </a:r>
+            <a:endParaRPr lang="en-US" dirty="0" smtClean="0"/>
+          </a:p>
+          <a:p>
+            <a:pPr lvl="1"/>
+            <a:r>
+              <a:rPr lang="en-US" dirty="0" smtClean="0"/>
+              <a:t>Routing</a:t>
+            </a:r>
+            <a:r>
+              <a:rPr lang="zh-CN" altLang="en-US" dirty="0" smtClean="0"/>
+              <a:t> </a:t>
+            </a:r>
+            <a:r>
+              <a:rPr lang="en-US" altLang="zh-CN" dirty="0" smtClean="0"/>
+              <a:t>Protocols</a:t>
             </a:r>
             <a:endParaRPr lang="en-US" dirty="0" smtClean="0"/>
           </a:p>
@@ -5005,6 +7123,14 @@
           <a:p>
             <a:r>
               <a:rPr lang="en-US" altLang="zh-CN" sz="3500" dirty="0" smtClean="0"/>
+              <a:t>VANET</a:t>
+            </a:r>
+            <a:r>
+              <a:rPr lang="zh-CN" altLang="en-US" sz="3500" dirty="0" smtClean="0"/>
+              <a:t> </a:t>
+            </a:r>
+            <a:r>
+              <a:rPr lang="en-US" altLang="zh-CN" sz="3500" dirty="0" smtClean="0"/>
               <a:t>Applications</a:t>
             </a:r>
             <a:endParaRPr lang="en-US" altLang="zh-CN" sz="2800" dirty="0" smtClean="0"/>
@@ -5021,11 +7147,7 @@
             </a:r>
             <a:r>
               <a:rPr lang="en-US" altLang="zh-CN" dirty="0" smtClean="0"/>
-              <a:t>A</a:t>
-            </a:r>
-            <a:r>
-              <a:rPr lang="en-US" altLang="zh-CN" dirty="0" smtClean="0"/>
-              <a:t>pplications</a:t>
+              <a:t>Applications</a:t>
             </a:r>
           </a:p>
           <a:p>
@@ -5040,11 +7162,7 @@
             </a:r>
             <a:r>
               <a:rPr lang="en-US" altLang="zh-CN" dirty="0" smtClean="0"/>
-              <a:t>A</a:t>
-            </a:r>
-            <a:r>
-              <a:rPr lang="en-US" altLang="zh-CN" dirty="0" smtClean="0"/>
-              <a:t>pplications</a:t>
+              <a:t>Applications</a:t>
             </a:r>
           </a:p>
         </p:txBody>
@@ -5096,11 +7214,7 @@
           <a:p>
             <a:r>
               <a:rPr lang="en-US" dirty="0" smtClean="0"/>
-              <a:t>Research</a:t>
-            </a:r>
-            <a:r>
-              <a:rPr lang="en-US" dirty="0" smtClean="0"/>
-              <a:t> Issues</a:t>
+              <a:t>Research Issues</a:t>
             </a:r>
             <a:endParaRPr lang="en-US" dirty="0"/>
           </a:p>
@@ -5118,70 +7232,418 @@
         </p:nvSpPr>
         <p:spPr/>
         <p:txBody>
-          <a:bodyPr/>
-          <a:lstStyle/>
-          <a:p>
-            <a:r>
-              <a:rPr lang="en-US" dirty="0" smtClean="0"/>
-              <a:t>VANET</a:t>
-            </a:r>
-            <a:r>
-              <a:rPr lang="en-US" dirty="0" smtClean="0"/>
-              <a:t> Networking</a:t>
+          <a:bodyPr>
+            <a:normAutofit fontScale="85000" lnSpcReduction="20000"/>
+          </a:bodyPr>
+          <a:lstStyle/>
+          <a:p>
+            <a:r>
+              <a:rPr lang="en-US" dirty="0" smtClean="0"/>
+              <a:t>VANET </a:t>
+            </a:r>
+            <a:r>
+              <a:rPr lang="en-US" dirty="0" smtClean="0"/>
+              <a:t>Medium</a:t>
+            </a:r>
+            <a:r>
+              <a:rPr lang="zh-CN" altLang="en-US" dirty="0" smtClean="0"/>
+              <a:t> </a:t>
+            </a:r>
+            <a:r>
+              <a:rPr lang="en-US" altLang="zh-CN" dirty="0" smtClean="0"/>
+              <a:t>Access</a:t>
             </a:r>
           </a:p>
           <a:p>
             <a:pPr lvl="1"/>
             <a:r>
               <a:rPr lang="en-US" dirty="0" smtClean="0"/>
-              <a:t>Data Dissemination</a:t>
+              <a:t>PHY</a:t>
+            </a:r>
+            <a:r>
+              <a:rPr lang="zh-CN" altLang="en-US" dirty="0" smtClean="0"/>
+              <a:t> </a:t>
+            </a:r>
+            <a:r>
+              <a:rPr lang="en-US" altLang="zh-CN" dirty="0" smtClean="0"/>
+              <a:t>Layer</a:t>
             </a:r>
           </a:p>
           <a:p>
             <a:pPr lvl="2"/>
             <a:r>
-              <a:rPr lang="en-US" dirty="0" smtClean="0"/>
-              <a:t>Routing</a:t>
-            </a:r>
-            <a:r>
-              <a:rPr lang="zh-CN" altLang="en-US" dirty="0" smtClean="0"/>
-              <a:t> </a:t>
-            </a:r>
-            <a:r>
-              <a:rPr lang="en-US" altLang="zh-CN" dirty="0" smtClean="0"/>
-              <a:t>Protocols</a:t>
-            </a:r>
-            <a:r>
-              <a:rPr lang="en-US" altLang="zh-CN" baseline="30000" dirty="0" smtClean="0"/>
-              <a:t>[7]</a:t>
-            </a:r>
+              <a:rPr lang="en-US" dirty="0"/>
+              <a:t>Radio</a:t>
+            </a:r>
+            <a:r>
+              <a:rPr lang="en-US" altLang="zh-CN" dirty="0"/>
+              <a:t>,</a:t>
+            </a:r>
+            <a:r>
+              <a:rPr lang="zh-CN" altLang="en-US" dirty="0"/>
+              <a:t> </a:t>
+            </a:r>
+            <a:r>
+              <a:rPr lang="en-US" altLang="zh-CN" dirty="0"/>
+              <a:t>infrared,</a:t>
+            </a:r>
+            <a:r>
+              <a:rPr lang="zh-CN" altLang="en-US" dirty="0"/>
+              <a:t> </a:t>
+            </a:r>
+            <a:r>
+              <a:rPr lang="en-US" altLang="zh-CN" dirty="0"/>
+              <a:t>VHF,</a:t>
+            </a:r>
+            <a:r>
+              <a:rPr lang="zh-CN" altLang="en-US" dirty="0"/>
+              <a:t> </a:t>
+            </a:r>
+            <a:r>
+              <a:rPr lang="en-US" altLang="zh-CN" dirty="0"/>
+              <a:t>millimeter</a:t>
+            </a:r>
+            <a:r>
+              <a:rPr lang="zh-CN" altLang="en-US" dirty="0"/>
+              <a:t> </a:t>
+            </a:r>
+            <a:r>
+              <a:rPr lang="en-US" altLang="zh-CN" dirty="0"/>
+              <a:t>wave</a:t>
+            </a:r>
+            <a:endParaRPr lang="en-US" altLang="zh-CN" dirty="0" smtClean="0"/>
           </a:p>
           <a:p>
             <a:pPr lvl="2"/>
             <a:r>
               <a:rPr lang="en-US" altLang="zh-CN" dirty="0" smtClean="0"/>
-              <a:t>Mobility</a:t>
-            </a:r>
-            <a:r>
-              <a:rPr lang="zh-CN" altLang="en-US" dirty="0" smtClean="0"/>
-              <a:t> </a:t>
-            </a:r>
-            <a:r>
-              <a:rPr lang="en-US" altLang="zh-CN" dirty="0" smtClean="0"/>
-              <a:t>Models</a:t>
-            </a:r>
+              <a:t>IEEE</a:t>
+            </a:r>
+            <a:r>
+              <a:rPr lang="zh-CN" altLang="en-US" dirty="0" smtClean="0"/>
+              <a:t> </a:t>
+            </a:r>
+            <a:r>
+              <a:rPr lang="en-US" altLang="zh-CN" dirty="0" smtClean="0"/>
+              <a:t>802.11 a,</a:t>
+            </a:r>
+            <a:r>
+              <a:rPr lang="zh-CN" altLang="en-US" dirty="0" smtClean="0"/>
+              <a:t> </a:t>
+            </a:r>
+            <a:r>
+              <a:rPr lang="en-US" altLang="zh-CN" dirty="0" smtClean="0"/>
+              <a:t>b,</a:t>
+            </a:r>
+            <a:r>
+              <a:rPr lang="zh-CN" altLang="en-US" dirty="0" smtClean="0"/>
+              <a:t> </a:t>
+            </a:r>
+            <a:r>
+              <a:rPr lang="en-US" altLang="zh-CN" dirty="0" smtClean="0"/>
+              <a:t>g</a:t>
+            </a:r>
+            <a:r>
+              <a:rPr lang="zh-CN" altLang="en-US" dirty="0" smtClean="0"/>
+              <a:t> </a:t>
+            </a:r>
+            <a:r>
+              <a:rPr lang="en-US" altLang="zh-CN" dirty="0" smtClean="0"/>
+              <a:t>or</a:t>
+            </a:r>
+            <a:r>
+              <a:rPr lang="zh-CN" altLang="en-US" dirty="0" smtClean="0"/>
+              <a:t> </a:t>
+            </a:r>
+            <a:r>
+              <a:rPr lang="en-US" altLang="zh-CN" dirty="0" smtClean="0"/>
+              <a:t>p</a:t>
+            </a:r>
+            <a:r>
+              <a:rPr lang="zh-CN" altLang="en-US" dirty="0" smtClean="0"/>
+              <a:t> </a:t>
+            </a:r>
+            <a:r>
+              <a:rPr lang="en-US" altLang="zh-CN" dirty="0" smtClean="0"/>
+              <a:t>technology</a:t>
+            </a:r>
+          </a:p>
+          <a:p>
+            <a:pPr lvl="3"/>
+            <a:r>
+              <a:rPr lang="en-US" altLang="zh-CN" dirty="0" smtClean="0"/>
+              <a:t>USA:</a:t>
+            </a:r>
+            <a:r>
+              <a:rPr lang="zh-CN" altLang="en-US" dirty="0" smtClean="0"/>
+              <a:t> </a:t>
+            </a:r>
+            <a:r>
+              <a:rPr lang="en-US" dirty="0" smtClean="0"/>
+              <a:t>5.9 </a:t>
+            </a:r>
+            <a:r>
+              <a:rPr lang="en-US" dirty="0"/>
+              <a:t>GHz band </a:t>
+            </a:r>
+            <a:endParaRPr lang="en-US" altLang="zh-CN" dirty="0" smtClean="0"/>
+          </a:p>
+          <a:p>
+            <a:pPr lvl="3"/>
+            <a:r>
+              <a:rPr lang="en-US" altLang="zh-CN" dirty="0" smtClean="0"/>
+              <a:t>Japan:</a:t>
+            </a:r>
+            <a:r>
+              <a:rPr lang="zh-CN" altLang="en-US" dirty="0" smtClean="0"/>
+              <a:t> </a:t>
+            </a:r>
+            <a:r>
+              <a:rPr lang="en-US" dirty="0" smtClean="0"/>
+              <a:t>5.8 </a:t>
+            </a:r>
+            <a:r>
+              <a:rPr lang="en-US" dirty="0"/>
+              <a:t>GHz band </a:t>
+            </a:r>
+            <a:endParaRPr lang="en-US" altLang="zh-CN" dirty="0" smtClean="0"/>
+          </a:p>
+          <a:p>
+            <a:pPr lvl="3"/>
+            <a:r>
+              <a:rPr lang="en-US" altLang="zh-CN" dirty="0" smtClean="0"/>
+              <a:t>Europe:</a:t>
+            </a:r>
+            <a:r>
+              <a:rPr lang="zh-CN" altLang="en-US" dirty="0" smtClean="0"/>
+              <a:t> </a:t>
+            </a:r>
+            <a:r>
+              <a:rPr lang="en-US" dirty="0" smtClean="0"/>
+              <a:t>5.8 </a:t>
+            </a:r>
+            <a:r>
+              <a:rPr lang="en-US" dirty="0"/>
+              <a:t>GHz </a:t>
+            </a:r>
+            <a:r>
+              <a:rPr lang="en-US" dirty="0" smtClean="0"/>
+              <a:t>band</a:t>
+            </a:r>
+            <a:r>
+              <a:rPr lang="zh-CN" altLang="en-US" dirty="0" smtClean="0"/>
+              <a:t> </a:t>
+            </a:r>
+            <a:r>
+              <a:rPr lang="en-US" altLang="zh-CN" dirty="0" smtClean="0"/>
+              <a:t>&amp;</a:t>
+            </a:r>
+            <a:r>
+              <a:rPr lang="zh-CN" altLang="en-US" dirty="0" smtClean="0"/>
+              <a:t> </a:t>
+            </a:r>
+            <a:r>
+              <a:rPr lang="en-US" altLang="zh-CN" dirty="0" smtClean="0"/>
+              <a:t>1</a:t>
+            </a:r>
+            <a:r>
+              <a:rPr lang="en-US" dirty="0" smtClean="0"/>
+              <a:t>0 MH</a:t>
+            </a:r>
+            <a:r>
+              <a:rPr lang="en-US" dirty="0" smtClean="0"/>
+              <a:t>z</a:t>
+            </a:r>
+            <a:r>
+              <a:rPr lang="zh-CN" altLang="en-US" dirty="0" smtClean="0"/>
+              <a:t> </a:t>
+            </a:r>
+            <a:r>
+              <a:rPr lang="en-US" altLang="zh-CN" dirty="0" smtClean="0"/>
+              <a:t>in</a:t>
+            </a:r>
+            <a:r>
+              <a:rPr lang="zh-CN" altLang="en-US" dirty="0" smtClean="0"/>
+              <a:t> </a:t>
+            </a:r>
+            <a:r>
+              <a:rPr lang="en-US" dirty="0" smtClean="0"/>
+              <a:t>2010</a:t>
+            </a:r>
+            <a:r>
+              <a:rPr lang="zh-CN" altLang="en-US" dirty="0" smtClean="0"/>
+              <a:t> </a:t>
+            </a:r>
+            <a:r>
+              <a:rPr lang="en-US" altLang="zh-CN" dirty="0" smtClean="0"/>
+              <a:t>-</a:t>
+            </a:r>
+            <a:r>
+              <a:rPr lang="en-US" dirty="0" smtClean="0"/>
+              <a:t>2020 MHz</a:t>
+            </a:r>
+            <a:endParaRPr lang="en-US" altLang="zh-CN" dirty="0" smtClean="0"/>
+          </a:p>
+          <a:p>
+            <a:pPr lvl="3"/>
+            <a:r>
+              <a:rPr lang="en-US" altLang="zh-CN" dirty="0" smtClean="0"/>
+              <a:t>China:…?</a:t>
+            </a:r>
+            <a:r>
+              <a:rPr lang="zh-CN" altLang="en-US" dirty="0" smtClean="0"/>
+              <a:t> </a:t>
+            </a:r>
+            <a:endParaRPr lang="en-US" altLang="zh-CN" dirty="0" smtClean="0"/>
           </a:p>
           <a:p>
             <a:pPr lvl="2"/>
             <a:r>
               <a:rPr lang="en-US" altLang="zh-CN" dirty="0" smtClean="0"/>
-              <a:t>Simulations</a:t>
+              <a:t>Minor</a:t>
+            </a:r>
+            <a:r>
+              <a:rPr lang="zh-CN" altLang="en-US" dirty="0" smtClean="0"/>
+              <a:t> </a:t>
+            </a:r>
+            <a:r>
+              <a:rPr lang="en-US" altLang="zh-CN" dirty="0" smtClean="0"/>
+              <a:t>solutions</a:t>
+            </a:r>
+            <a:r>
+              <a:rPr lang="zh-CN" altLang="en-US" dirty="0" smtClean="0"/>
+              <a:t> </a:t>
+            </a:r>
+            <a:r>
+              <a:rPr lang="en-US" altLang="zh-CN" dirty="0" smtClean="0"/>
+              <a:t>not</a:t>
+            </a:r>
+            <a:r>
+              <a:rPr lang="zh-CN" altLang="en-US" dirty="0" smtClean="0"/>
+              <a:t> </a:t>
+            </a:r>
+            <a:r>
+              <a:rPr lang="en-US" altLang="zh-CN" dirty="0" smtClean="0"/>
+              <a:t>based</a:t>
+            </a:r>
+            <a:r>
+              <a:rPr lang="zh-CN" altLang="en-US" dirty="0" smtClean="0"/>
+              <a:t> </a:t>
+            </a:r>
+            <a:r>
+              <a:rPr lang="en-US" altLang="zh-CN" dirty="0" smtClean="0"/>
+              <a:t>on</a:t>
+            </a:r>
+            <a:r>
+              <a:rPr lang="zh-CN" altLang="en-US" dirty="0" smtClean="0"/>
+              <a:t> </a:t>
+            </a:r>
+            <a:r>
+              <a:rPr lang="en-US" altLang="zh-CN" dirty="0"/>
+              <a:t>IEEE</a:t>
+            </a:r>
+            <a:r>
+              <a:rPr lang="zh-CN" altLang="en-US" dirty="0"/>
+              <a:t> </a:t>
+            </a:r>
+            <a:r>
+              <a:rPr lang="en-US" altLang="zh-CN" dirty="0"/>
+              <a:t>802.11</a:t>
+            </a:r>
+            <a:r>
+              <a:rPr lang="en-US" altLang="zh-CN" baseline="30000" dirty="0"/>
+              <a:t>[11]</a:t>
+            </a:r>
+            <a:r>
+              <a:rPr lang="zh-CN" altLang="en-US" dirty="0"/>
+              <a:t> </a:t>
             </a:r>
             <a:endParaRPr lang="en-US" altLang="zh-CN" dirty="0" smtClean="0"/>
           </a:p>
           <a:p>
             <a:pPr lvl="1"/>
-            <a:endParaRPr lang="en-US" dirty="0"/>
+            <a:r>
+              <a:rPr lang="en-US" altLang="zh-CN" dirty="0" smtClean="0"/>
+              <a:t>Mac</a:t>
+            </a:r>
+            <a:r>
+              <a:rPr lang="zh-CN" altLang="en-US" dirty="0" smtClean="0"/>
+              <a:t> </a:t>
+            </a:r>
+            <a:r>
+              <a:rPr lang="en-US" altLang="zh-CN" dirty="0" smtClean="0"/>
+              <a:t>Layer</a:t>
+            </a:r>
+          </a:p>
+          <a:p>
+            <a:pPr lvl="2"/>
+            <a:r>
+              <a:rPr lang="en-US" altLang="zh-CN" dirty="0" smtClean="0"/>
+              <a:t>Random</a:t>
+            </a:r>
+            <a:r>
+              <a:rPr lang="zh-CN" altLang="en-US" dirty="0" smtClean="0"/>
+              <a:t> </a:t>
+            </a:r>
+            <a:r>
+              <a:rPr lang="en-US" altLang="zh-CN" dirty="0" smtClean="0"/>
+              <a:t>protocols(CSMA-like)</a:t>
+            </a:r>
+            <a:r>
+              <a:rPr lang="zh-CN" altLang="en-US" dirty="0" smtClean="0"/>
+              <a:t> </a:t>
+            </a:r>
+            <a:r>
+              <a:rPr lang="en-US" altLang="zh-CN" dirty="0" smtClean="0"/>
+              <a:t>are</a:t>
+            </a:r>
+            <a:r>
+              <a:rPr lang="zh-CN" altLang="en-US" dirty="0" smtClean="0"/>
+              <a:t> </a:t>
+            </a:r>
+            <a:r>
+              <a:rPr lang="en-US" altLang="zh-CN" dirty="0" smtClean="0"/>
+              <a:t>preferable</a:t>
+            </a:r>
+            <a:r>
+              <a:rPr lang="zh-CN" altLang="en-US" dirty="0" smtClean="0"/>
+              <a:t> </a:t>
+            </a:r>
+            <a:r>
+              <a:rPr lang="en-US" altLang="zh-CN" dirty="0" smtClean="0"/>
+              <a:t>to</a:t>
+            </a:r>
+            <a:r>
+              <a:rPr lang="zh-CN" altLang="en-US" dirty="0" smtClean="0"/>
+              <a:t> </a:t>
+            </a:r>
+            <a:r>
+              <a:rPr lang="en-US" altLang="zh-CN" dirty="0" smtClean="0"/>
+              <a:t>controlled</a:t>
+            </a:r>
+            <a:r>
+              <a:rPr lang="zh-CN" altLang="en-US" dirty="0" smtClean="0"/>
+              <a:t> </a:t>
+            </a:r>
+            <a:r>
+              <a:rPr lang="en-US" altLang="zh-CN" dirty="0" smtClean="0"/>
+              <a:t>ones(TDMA-like)</a:t>
+            </a:r>
+          </a:p>
+          <a:p>
+            <a:pPr lvl="3"/>
+            <a:r>
+              <a:rPr lang="en-US" altLang="zh-CN" dirty="0" smtClean="0"/>
+              <a:t>DSRC</a:t>
+            </a:r>
+          </a:p>
+          <a:p>
+            <a:pPr lvl="3"/>
+            <a:r>
+              <a:rPr lang="en-US" altLang="zh-CN" dirty="0" err="1" smtClean="0"/>
+              <a:t>FleeNet</a:t>
+            </a:r>
+            <a:endParaRPr lang="en-US" altLang="zh-CN" dirty="0" smtClean="0"/>
           </a:p>
         </p:txBody>
       </p:sp>
